--- a/lesson19.pptx
+++ b/lesson19.pptx
@@ -233,7 +233,7 @@
             <a:fld id="{85522811-C5C6-42D2-A409-F8556720C93F}" type="datetimeFigureOut">
               <a:rPr lang="uk-UA" smtClean="0"/>
               <a:pPr/>
-              <a:t>09.11.2020</a:t>
+              <a:t>06.04.2021</a:t>
             </a:fld>
             <a:endParaRPr lang="uk-UA"/>
           </a:p>
@@ -299,35 +299,35 @@
           <a:p>
             <a:pPr lvl="0"/>
             <a:r>
-              <a:rPr lang="ru-RU" smtClean="0"/>
+              <a:rPr lang="ru-RU"/>
               <a:t>Образец текста</a:t>
             </a:r>
           </a:p>
           <a:p>
             <a:pPr lvl="1"/>
             <a:r>
-              <a:rPr lang="ru-RU" smtClean="0"/>
+              <a:rPr lang="ru-RU"/>
               <a:t>Второй уровень</a:t>
             </a:r>
           </a:p>
           <a:p>
             <a:pPr lvl="2"/>
             <a:r>
-              <a:rPr lang="ru-RU" smtClean="0"/>
+              <a:rPr lang="ru-RU"/>
               <a:t>Третий уровень</a:t>
             </a:r>
           </a:p>
           <a:p>
             <a:pPr lvl="3"/>
             <a:r>
-              <a:rPr lang="ru-RU" smtClean="0"/>
+              <a:rPr lang="ru-RU"/>
               <a:t>Четвертый уровень</a:t>
             </a:r>
           </a:p>
           <a:p>
             <a:pPr lvl="4"/>
             <a:r>
-              <a:rPr lang="ru-RU" smtClean="0"/>
+              <a:rPr lang="ru-RU"/>
               <a:t>Пятый уровень</a:t>
             </a:r>
             <a:endParaRPr lang="uk-UA"/>
@@ -395,7 +395,7 @@
             <a:fld id="{B2668688-711B-4328-ACFB-54B46FA90133}" type="slidenum">
               <a:rPr lang="uk-UA" smtClean="0"/>
               <a:pPr/>
-              <a:t>‹#›</a:t>
+              <a:t>‹№›</a:t>
             </a:fld>
             <a:endParaRPr lang="uk-UA"/>
           </a:p>
@@ -634,7 +634,7 @@
           <a:lstStyle/>
           <a:p>
             <a:r>
-              <a:rPr lang="ru-RU" smtClean="0"/>
+              <a:rPr lang="ru-RU"/>
               <a:t>Образец заголовка</a:t>
             </a:r>
             <a:endParaRPr lang="uk-UA"/>
@@ -753,7 +753,7 @@
           </a:lstStyle>
           <a:p>
             <a:r>
-              <a:rPr lang="ru-RU" smtClean="0"/>
+              <a:rPr lang="ru-RU"/>
               <a:t>Образец подзаголовка</a:t>
             </a:r>
             <a:endParaRPr lang="uk-UA"/>
@@ -778,7 +778,7 @@
             <a:fld id="{0A2E6AC4-C3FE-4E70-88D1-136405B25267}" type="datetime1">
               <a:rPr lang="uk-UA" smtClean="0"/>
               <a:pPr/>
-              <a:t>09.11.2020</a:t>
+              <a:t>06.04.2021</a:t>
             </a:fld>
             <a:endParaRPr lang="uk-UA"/>
           </a:p>
@@ -821,7 +821,7 @@
             <a:fld id="{6389AA22-90B4-448C-8B6B-C699140D38B9}" type="slidenum">
               <a:rPr lang="uk-UA" smtClean="0"/>
               <a:pPr/>
-              <a:t>‹#›</a:t>
+              <a:t>‹№›</a:t>
             </a:fld>
             <a:endParaRPr lang="uk-UA"/>
           </a:p>
@@ -868,7 +868,7 @@
           <a:lstStyle/>
           <a:p>
             <a:r>
-              <a:rPr lang="ru-RU" smtClean="0"/>
+              <a:rPr lang="ru-RU"/>
               <a:t>Образец заголовка</a:t>
             </a:r>
             <a:endParaRPr lang="uk-UA"/>
@@ -892,35 +892,35 @@
           <a:p>
             <a:pPr lvl="0"/>
             <a:r>
-              <a:rPr lang="ru-RU" smtClean="0"/>
+              <a:rPr lang="ru-RU"/>
               <a:t>Образец текста</a:t>
             </a:r>
           </a:p>
           <a:p>
             <a:pPr lvl="1"/>
             <a:r>
-              <a:rPr lang="ru-RU" smtClean="0"/>
+              <a:rPr lang="ru-RU"/>
               <a:t>Второй уровень</a:t>
             </a:r>
           </a:p>
           <a:p>
             <a:pPr lvl="2"/>
             <a:r>
-              <a:rPr lang="ru-RU" smtClean="0"/>
+              <a:rPr lang="ru-RU"/>
               <a:t>Третий уровень</a:t>
             </a:r>
           </a:p>
           <a:p>
             <a:pPr lvl="3"/>
             <a:r>
-              <a:rPr lang="ru-RU" smtClean="0"/>
+              <a:rPr lang="ru-RU"/>
               <a:t>Четвертый уровень</a:t>
             </a:r>
           </a:p>
           <a:p>
             <a:pPr lvl="4"/>
             <a:r>
-              <a:rPr lang="ru-RU" smtClean="0"/>
+              <a:rPr lang="ru-RU"/>
               <a:t>Пятый уровень</a:t>
             </a:r>
             <a:endParaRPr lang="uk-UA"/>
@@ -945,7 +945,7 @@
             <a:fld id="{B4D85949-5AE9-41F1-B18C-DA1006B0E8CC}" type="datetime1">
               <a:rPr lang="uk-UA" smtClean="0"/>
               <a:pPr/>
-              <a:t>09.11.2020</a:t>
+              <a:t>06.04.2021</a:t>
             </a:fld>
             <a:endParaRPr lang="uk-UA"/>
           </a:p>
@@ -988,7 +988,7 @@
             <a:fld id="{6389AA22-90B4-448C-8B6B-C699140D38B9}" type="slidenum">
               <a:rPr lang="uk-UA" smtClean="0"/>
               <a:pPr/>
-              <a:t>‹#›</a:t>
+              <a:t>‹№›</a:t>
             </a:fld>
             <a:endParaRPr lang="uk-UA"/>
           </a:p>
@@ -1040,7 +1040,7 @@
           <a:lstStyle/>
           <a:p>
             <a:r>
-              <a:rPr lang="ru-RU" smtClean="0"/>
+              <a:rPr lang="ru-RU"/>
               <a:t>Образец заголовка</a:t>
             </a:r>
             <a:endParaRPr lang="uk-UA"/>
@@ -1069,35 +1069,35 @@
           <a:p>
             <a:pPr lvl="0"/>
             <a:r>
-              <a:rPr lang="ru-RU" smtClean="0"/>
+              <a:rPr lang="ru-RU"/>
               <a:t>Образец текста</a:t>
             </a:r>
           </a:p>
           <a:p>
             <a:pPr lvl="1"/>
             <a:r>
-              <a:rPr lang="ru-RU" smtClean="0"/>
+              <a:rPr lang="ru-RU"/>
               <a:t>Второй уровень</a:t>
             </a:r>
           </a:p>
           <a:p>
             <a:pPr lvl="2"/>
             <a:r>
-              <a:rPr lang="ru-RU" smtClean="0"/>
+              <a:rPr lang="ru-RU"/>
               <a:t>Третий уровень</a:t>
             </a:r>
           </a:p>
           <a:p>
             <a:pPr lvl="3"/>
             <a:r>
-              <a:rPr lang="ru-RU" smtClean="0"/>
+              <a:rPr lang="ru-RU"/>
               <a:t>Четвертый уровень</a:t>
             </a:r>
           </a:p>
           <a:p>
             <a:pPr lvl="4"/>
             <a:r>
-              <a:rPr lang="ru-RU" smtClean="0"/>
+              <a:rPr lang="ru-RU"/>
               <a:t>Пятый уровень</a:t>
             </a:r>
             <a:endParaRPr lang="uk-UA"/>
@@ -1122,7 +1122,7 @@
             <a:fld id="{B20C227C-94C5-4BA1-A89C-1C7570144B22}" type="datetime1">
               <a:rPr lang="uk-UA" smtClean="0"/>
               <a:pPr/>
-              <a:t>09.11.2020</a:t>
+              <a:t>06.04.2021</a:t>
             </a:fld>
             <a:endParaRPr lang="uk-UA"/>
           </a:p>
@@ -1165,7 +1165,7 @@
             <a:fld id="{6389AA22-90B4-448C-8B6B-C699140D38B9}" type="slidenum">
               <a:rPr lang="uk-UA" smtClean="0"/>
               <a:pPr/>
-              <a:t>‹#›</a:t>
+              <a:t>‹№›</a:t>
             </a:fld>
             <a:endParaRPr lang="uk-UA"/>
           </a:p>
@@ -1212,7 +1212,7 @@
           <a:lstStyle/>
           <a:p>
             <a:r>
-              <a:rPr lang="ru-RU" smtClean="0"/>
+              <a:rPr lang="ru-RU"/>
               <a:t>Образец заголовка</a:t>
             </a:r>
             <a:endParaRPr lang="uk-UA"/>
@@ -1236,35 +1236,35 @@
           <a:p>
             <a:pPr lvl="0"/>
             <a:r>
-              <a:rPr lang="ru-RU" smtClean="0"/>
+              <a:rPr lang="ru-RU"/>
               <a:t>Образец текста</a:t>
             </a:r>
           </a:p>
           <a:p>
             <a:pPr lvl="1"/>
             <a:r>
-              <a:rPr lang="ru-RU" smtClean="0"/>
+              <a:rPr lang="ru-RU"/>
               <a:t>Второй уровень</a:t>
             </a:r>
           </a:p>
           <a:p>
             <a:pPr lvl="2"/>
             <a:r>
-              <a:rPr lang="ru-RU" smtClean="0"/>
+              <a:rPr lang="ru-RU"/>
               <a:t>Третий уровень</a:t>
             </a:r>
           </a:p>
           <a:p>
             <a:pPr lvl="3"/>
             <a:r>
-              <a:rPr lang="ru-RU" smtClean="0"/>
+              <a:rPr lang="ru-RU"/>
               <a:t>Четвертый уровень</a:t>
             </a:r>
           </a:p>
           <a:p>
             <a:pPr lvl="4"/>
             <a:r>
-              <a:rPr lang="ru-RU" smtClean="0"/>
+              <a:rPr lang="ru-RU"/>
               <a:t>Пятый уровень</a:t>
             </a:r>
             <a:endParaRPr lang="uk-UA"/>
@@ -1289,7 +1289,7 @@
             <a:fld id="{68E2E168-B245-4D8D-8538-B29990DBF87B}" type="datetime1">
               <a:rPr lang="uk-UA" smtClean="0"/>
               <a:pPr/>
-              <a:t>09.11.2020</a:t>
+              <a:t>06.04.2021</a:t>
             </a:fld>
             <a:endParaRPr lang="uk-UA"/>
           </a:p>
@@ -1332,7 +1332,7 @@
             <a:fld id="{6389AA22-90B4-448C-8B6B-C699140D38B9}" type="slidenum">
               <a:rPr lang="uk-UA" smtClean="0"/>
               <a:pPr/>
-              <a:t>‹#›</a:t>
+              <a:t>‹№›</a:t>
             </a:fld>
             <a:endParaRPr lang="uk-UA"/>
           </a:p>
@@ -1388,7 +1388,7 @@
           </a:lstStyle>
           <a:p>
             <a:r>
-              <a:rPr lang="ru-RU" smtClean="0"/>
+              <a:rPr lang="ru-RU"/>
               <a:t>Образец заголовка</a:t>
             </a:r>
             <a:endParaRPr lang="uk-UA"/>
@@ -1508,7 +1508,7 @@
           <a:p>
             <a:pPr lvl="0"/>
             <a:r>
-              <a:rPr lang="ru-RU" smtClean="0"/>
+              <a:rPr lang="ru-RU"/>
               <a:t>Образец текста</a:t>
             </a:r>
           </a:p>
@@ -1532,7 +1532,7 @@
             <a:fld id="{356DAF6E-7007-4E61-B36E-794BF232B234}" type="datetime1">
               <a:rPr lang="uk-UA" smtClean="0"/>
               <a:pPr/>
-              <a:t>09.11.2020</a:t>
+              <a:t>06.04.2021</a:t>
             </a:fld>
             <a:endParaRPr lang="uk-UA"/>
           </a:p>
@@ -1575,7 +1575,7 @@
             <a:fld id="{6389AA22-90B4-448C-8B6B-C699140D38B9}" type="slidenum">
               <a:rPr lang="uk-UA" smtClean="0"/>
               <a:pPr/>
-              <a:t>‹#›</a:t>
+              <a:t>‹№›</a:t>
             </a:fld>
             <a:endParaRPr lang="uk-UA"/>
           </a:p>
@@ -1622,7 +1622,7 @@
           <a:lstStyle/>
           <a:p>
             <a:r>
-              <a:rPr lang="ru-RU" smtClean="0"/>
+              <a:rPr lang="ru-RU"/>
               <a:t>Образец заголовка</a:t>
             </a:r>
             <a:endParaRPr lang="uk-UA"/>
@@ -1679,35 +1679,35 @@
           <a:p>
             <a:pPr lvl="0"/>
             <a:r>
-              <a:rPr lang="ru-RU" smtClean="0"/>
+              <a:rPr lang="ru-RU"/>
               <a:t>Образец текста</a:t>
             </a:r>
           </a:p>
           <a:p>
             <a:pPr lvl="1"/>
             <a:r>
-              <a:rPr lang="ru-RU" smtClean="0"/>
+              <a:rPr lang="ru-RU"/>
               <a:t>Второй уровень</a:t>
             </a:r>
           </a:p>
           <a:p>
             <a:pPr lvl="2"/>
             <a:r>
-              <a:rPr lang="ru-RU" smtClean="0"/>
+              <a:rPr lang="ru-RU"/>
               <a:t>Третий уровень</a:t>
             </a:r>
           </a:p>
           <a:p>
             <a:pPr lvl="3"/>
             <a:r>
-              <a:rPr lang="ru-RU" smtClean="0"/>
+              <a:rPr lang="ru-RU"/>
               <a:t>Четвертый уровень</a:t>
             </a:r>
           </a:p>
           <a:p>
             <a:pPr lvl="4"/>
             <a:r>
-              <a:rPr lang="ru-RU" smtClean="0"/>
+              <a:rPr lang="ru-RU"/>
               <a:t>Пятый уровень</a:t>
             </a:r>
             <a:endParaRPr lang="uk-UA"/>
@@ -1764,35 +1764,35 @@
           <a:p>
             <a:pPr lvl="0"/>
             <a:r>
-              <a:rPr lang="ru-RU" smtClean="0"/>
+              <a:rPr lang="ru-RU"/>
               <a:t>Образец текста</a:t>
             </a:r>
           </a:p>
           <a:p>
             <a:pPr lvl="1"/>
             <a:r>
-              <a:rPr lang="ru-RU" smtClean="0"/>
+              <a:rPr lang="ru-RU"/>
               <a:t>Второй уровень</a:t>
             </a:r>
           </a:p>
           <a:p>
             <a:pPr lvl="2"/>
             <a:r>
-              <a:rPr lang="ru-RU" smtClean="0"/>
+              <a:rPr lang="ru-RU"/>
               <a:t>Третий уровень</a:t>
             </a:r>
           </a:p>
           <a:p>
             <a:pPr lvl="3"/>
             <a:r>
-              <a:rPr lang="ru-RU" smtClean="0"/>
+              <a:rPr lang="ru-RU"/>
               <a:t>Четвертый уровень</a:t>
             </a:r>
           </a:p>
           <a:p>
             <a:pPr lvl="4"/>
             <a:r>
-              <a:rPr lang="ru-RU" smtClean="0"/>
+              <a:rPr lang="ru-RU"/>
               <a:t>Пятый уровень</a:t>
             </a:r>
             <a:endParaRPr lang="uk-UA"/>
@@ -1817,7 +1817,7 @@
             <a:fld id="{4B2141DD-FE72-44AA-B946-B70892F1F5B7}" type="datetime1">
               <a:rPr lang="uk-UA" smtClean="0"/>
               <a:pPr/>
-              <a:t>09.11.2020</a:t>
+              <a:t>06.04.2021</a:t>
             </a:fld>
             <a:endParaRPr lang="uk-UA"/>
           </a:p>
@@ -1860,7 +1860,7 @@
             <a:fld id="{6389AA22-90B4-448C-8B6B-C699140D38B9}" type="slidenum">
               <a:rPr lang="uk-UA" smtClean="0"/>
               <a:pPr/>
-              <a:t>‹#›</a:t>
+              <a:t>‹№›</a:t>
             </a:fld>
             <a:endParaRPr lang="uk-UA"/>
           </a:p>
@@ -1911,7 +1911,7 @@
           </a:lstStyle>
           <a:p>
             <a:r>
-              <a:rPr lang="ru-RU" smtClean="0"/>
+              <a:rPr lang="ru-RU"/>
               <a:t>Образец заголовка</a:t>
             </a:r>
             <a:endParaRPr lang="uk-UA"/>
@@ -1977,7 +1977,7 @@
           <a:p>
             <a:pPr lvl="0"/>
             <a:r>
-              <a:rPr lang="ru-RU" smtClean="0"/>
+              <a:rPr lang="ru-RU"/>
               <a:t>Образец текста</a:t>
             </a:r>
           </a:p>
@@ -2033,35 +2033,35 @@
           <a:p>
             <a:pPr lvl="0"/>
             <a:r>
-              <a:rPr lang="ru-RU" smtClean="0"/>
+              <a:rPr lang="ru-RU"/>
               <a:t>Образец текста</a:t>
             </a:r>
           </a:p>
           <a:p>
             <a:pPr lvl="1"/>
             <a:r>
-              <a:rPr lang="ru-RU" smtClean="0"/>
+              <a:rPr lang="ru-RU"/>
               <a:t>Второй уровень</a:t>
             </a:r>
           </a:p>
           <a:p>
             <a:pPr lvl="2"/>
             <a:r>
-              <a:rPr lang="ru-RU" smtClean="0"/>
+              <a:rPr lang="ru-RU"/>
               <a:t>Третий уровень</a:t>
             </a:r>
           </a:p>
           <a:p>
             <a:pPr lvl="3"/>
             <a:r>
-              <a:rPr lang="ru-RU" smtClean="0"/>
+              <a:rPr lang="ru-RU"/>
               <a:t>Четвертый уровень</a:t>
             </a:r>
           </a:p>
           <a:p>
             <a:pPr lvl="4"/>
             <a:r>
-              <a:rPr lang="ru-RU" smtClean="0"/>
+              <a:rPr lang="ru-RU"/>
               <a:t>Пятый уровень</a:t>
             </a:r>
             <a:endParaRPr lang="uk-UA"/>
@@ -2127,7 +2127,7 @@
           <a:p>
             <a:pPr lvl="0"/>
             <a:r>
-              <a:rPr lang="ru-RU" smtClean="0"/>
+              <a:rPr lang="ru-RU"/>
               <a:t>Образец текста</a:t>
             </a:r>
           </a:p>
@@ -2183,35 +2183,35 @@
           <a:p>
             <a:pPr lvl="0"/>
             <a:r>
-              <a:rPr lang="ru-RU" smtClean="0"/>
+              <a:rPr lang="ru-RU"/>
               <a:t>Образец текста</a:t>
             </a:r>
           </a:p>
           <a:p>
             <a:pPr lvl="1"/>
             <a:r>
-              <a:rPr lang="ru-RU" smtClean="0"/>
+              <a:rPr lang="ru-RU"/>
               <a:t>Второй уровень</a:t>
             </a:r>
           </a:p>
           <a:p>
             <a:pPr lvl="2"/>
             <a:r>
-              <a:rPr lang="ru-RU" smtClean="0"/>
+              <a:rPr lang="ru-RU"/>
               <a:t>Третий уровень</a:t>
             </a:r>
           </a:p>
           <a:p>
             <a:pPr lvl="3"/>
             <a:r>
-              <a:rPr lang="ru-RU" smtClean="0"/>
+              <a:rPr lang="ru-RU"/>
               <a:t>Четвертый уровень</a:t>
             </a:r>
           </a:p>
           <a:p>
             <a:pPr lvl="4"/>
             <a:r>
-              <a:rPr lang="ru-RU" smtClean="0"/>
+              <a:rPr lang="ru-RU"/>
               <a:t>Пятый уровень</a:t>
             </a:r>
             <a:endParaRPr lang="uk-UA"/>
@@ -2236,7 +2236,7 @@
             <a:fld id="{D1C4DC7C-6CC4-4D1F-A21B-A650800E0532}" type="datetime1">
               <a:rPr lang="uk-UA" smtClean="0"/>
               <a:pPr/>
-              <a:t>09.11.2020</a:t>
+              <a:t>06.04.2021</a:t>
             </a:fld>
             <a:endParaRPr lang="uk-UA"/>
           </a:p>
@@ -2279,7 +2279,7 @@
             <a:fld id="{6389AA22-90B4-448C-8B6B-C699140D38B9}" type="slidenum">
               <a:rPr lang="uk-UA" smtClean="0"/>
               <a:pPr/>
-              <a:t>‹#›</a:t>
+              <a:t>‹№›</a:t>
             </a:fld>
             <a:endParaRPr lang="uk-UA"/>
           </a:p>
@@ -2326,7 +2326,7 @@
           <a:lstStyle/>
           <a:p>
             <a:r>
-              <a:rPr lang="ru-RU" smtClean="0"/>
+              <a:rPr lang="ru-RU"/>
               <a:t>Образец заголовка</a:t>
             </a:r>
             <a:endParaRPr lang="uk-UA"/>
@@ -2351,7 +2351,7 @@
             <a:fld id="{09E753FA-BE70-4E9D-A1A2-A798C2E22C2C}" type="datetime1">
               <a:rPr lang="uk-UA" smtClean="0"/>
               <a:pPr/>
-              <a:t>09.11.2020</a:t>
+              <a:t>06.04.2021</a:t>
             </a:fld>
             <a:endParaRPr lang="uk-UA"/>
           </a:p>
@@ -2394,7 +2394,7 @@
             <a:fld id="{6389AA22-90B4-448C-8B6B-C699140D38B9}" type="slidenum">
               <a:rPr lang="uk-UA" smtClean="0"/>
               <a:pPr/>
-              <a:t>‹#›</a:t>
+              <a:t>‹№›</a:t>
             </a:fld>
             <a:endParaRPr lang="uk-UA"/>
           </a:p>
@@ -2443,7 +2443,7 @@
             <a:fld id="{BC4E9D1B-A194-48C6-B5A1-4C29D0F81227}" type="datetime1">
               <a:rPr lang="uk-UA" smtClean="0"/>
               <a:pPr/>
-              <a:t>09.11.2020</a:t>
+              <a:t>06.04.2021</a:t>
             </a:fld>
             <a:endParaRPr lang="uk-UA"/>
           </a:p>
@@ -2486,7 +2486,7 @@
             <a:fld id="{6389AA22-90B4-448C-8B6B-C699140D38B9}" type="slidenum">
               <a:rPr lang="uk-UA" smtClean="0"/>
               <a:pPr/>
-              <a:t>‹#›</a:t>
+              <a:t>‹№›</a:t>
             </a:fld>
             <a:endParaRPr lang="uk-UA"/>
           </a:p>
@@ -2542,7 +2542,7 @@
           </a:lstStyle>
           <a:p>
             <a:r>
-              <a:rPr lang="ru-RU" smtClean="0"/>
+              <a:rPr lang="ru-RU"/>
               <a:t>Образец заголовка</a:t>
             </a:r>
             <a:endParaRPr lang="uk-UA"/>
@@ -2599,35 +2599,35 @@
           <a:p>
             <a:pPr lvl="0"/>
             <a:r>
-              <a:rPr lang="ru-RU" smtClean="0"/>
+              <a:rPr lang="ru-RU"/>
               <a:t>Образец текста</a:t>
             </a:r>
           </a:p>
           <a:p>
             <a:pPr lvl="1"/>
             <a:r>
-              <a:rPr lang="ru-RU" smtClean="0"/>
+              <a:rPr lang="ru-RU"/>
               <a:t>Второй уровень</a:t>
             </a:r>
           </a:p>
           <a:p>
             <a:pPr lvl="2"/>
             <a:r>
-              <a:rPr lang="ru-RU" smtClean="0"/>
+              <a:rPr lang="ru-RU"/>
               <a:t>Третий уровень</a:t>
             </a:r>
           </a:p>
           <a:p>
             <a:pPr lvl="3"/>
             <a:r>
-              <a:rPr lang="ru-RU" smtClean="0"/>
+              <a:rPr lang="ru-RU"/>
               <a:t>Четвертый уровень</a:t>
             </a:r>
           </a:p>
           <a:p>
             <a:pPr lvl="4"/>
             <a:r>
-              <a:rPr lang="ru-RU" smtClean="0"/>
+              <a:rPr lang="ru-RU"/>
               <a:t>Пятый уровень</a:t>
             </a:r>
             <a:endParaRPr lang="uk-UA"/>
@@ -2693,7 +2693,7 @@
           <a:p>
             <a:pPr lvl="0"/>
             <a:r>
-              <a:rPr lang="ru-RU" smtClean="0"/>
+              <a:rPr lang="ru-RU"/>
               <a:t>Образец текста</a:t>
             </a:r>
           </a:p>
@@ -2717,7 +2717,7 @@
             <a:fld id="{98DC5B78-3AEE-4E8C-84A2-DF8B252C6B7D}" type="datetime1">
               <a:rPr lang="uk-UA" smtClean="0"/>
               <a:pPr/>
-              <a:t>09.11.2020</a:t>
+              <a:t>06.04.2021</a:t>
             </a:fld>
             <a:endParaRPr lang="uk-UA"/>
           </a:p>
@@ -2760,7 +2760,7 @@
             <a:fld id="{6389AA22-90B4-448C-8B6B-C699140D38B9}" type="slidenum">
               <a:rPr lang="uk-UA" smtClean="0"/>
               <a:pPr/>
-              <a:t>‹#›</a:t>
+              <a:t>‹№›</a:t>
             </a:fld>
             <a:endParaRPr lang="uk-UA"/>
           </a:p>
@@ -2816,7 +2816,7 @@
           </a:lstStyle>
           <a:p>
             <a:r>
-              <a:rPr lang="ru-RU" smtClean="0"/>
+              <a:rPr lang="ru-RU"/>
               <a:t>Образец заголовка</a:t>
             </a:r>
             <a:endParaRPr lang="uk-UA"/>
@@ -2943,7 +2943,7 @@
           <a:p>
             <a:pPr lvl="0"/>
             <a:r>
-              <a:rPr lang="ru-RU" smtClean="0"/>
+              <a:rPr lang="ru-RU"/>
               <a:t>Образец текста</a:t>
             </a:r>
           </a:p>
@@ -2967,7 +2967,7 @@
             <a:fld id="{08E6AC05-7690-4D29-B090-15CFA8055B58}" type="datetime1">
               <a:rPr lang="uk-UA" smtClean="0"/>
               <a:pPr/>
-              <a:t>09.11.2020</a:t>
+              <a:t>06.04.2021</a:t>
             </a:fld>
             <a:endParaRPr lang="uk-UA"/>
           </a:p>
@@ -3010,7 +3010,7 @@
             <a:fld id="{6389AA22-90B4-448C-8B6B-C699140D38B9}" type="slidenum">
               <a:rPr lang="uk-UA" smtClean="0"/>
               <a:pPr/>
-              <a:t>‹#›</a:t>
+              <a:t>‹№›</a:t>
             </a:fld>
             <a:endParaRPr lang="uk-UA"/>
           </a:p>
@@ -3072,7 +3072,7 @@
           <a:lstStyle/>
           <a:p>
             <a:r>
-              <a:rPr lang="ru-RU" smtClean="0"/>
+              <a:rPr lang="ru-RU"/>
               <a:t>Образец заголовка</a:t>
             </a:r>
             <a:endParaRPr lang="uk-UA"/>
@@ -3106,35 +3106,35 @@
           <a:p>
             <a:pPr lvl="0"/>
             <a:r>
-              <a:rPr lang="ru-RU" smtClean="0"/>
+              <a:rPr lang="ru-RU"/>
               <a:t>Образец текста</a:t>
             </a:r>
           </a:p>
           <a:p>
             <a:pPr lvl="1"/>
             <a:r>
-              <a:rPr lang="ru-RU" smtClean="0"/>
+              <a:rPr lang="ru-RU"/>
               <a:t>Второй уровень</a:t>
             </a:r>
           </a:p>
           <a:p>
             <a:pPr lvl="2"/>
             <a:r>
-              <a:rPr lang="ru-RU" smtClean="0"/>
+              <a:rPr lang="ru-RU"/>
               <a:t>Третий уровень</a:t>
             </a:r>
           </a:p>
           <a:p>
             <a:pPr lvl="3"/>
             <a:r>
-              <a:rPr lang="ru-RU" smtClean="0"/>
+              <a:rPr lang="ru-RU"/>
               <a:t>Четвертый уровень</a:t>
             </a:r>
           </a:p>
           <a:p>
             <a:pPr lvl="4"/>
             <a:r>
-              <a:rPr lang="ru-RU" smtClean="0"/>
+              <a:rPr lang="ru-RU"/>
               <a:t>Пятый уровень</a:t>
             </a:r>
             <a:endParaRPr lang="uk-UA"/>
@@ -3177,7 +3177,7 @@
             <a:fld id="{C4778AB5-85A2-4D58-9351-A198925B541D}" type="datetime1">
               <a:rPr lang="uk-UA" smtClean="0"/>
               <a:pPr/>
-              <a:t>09.11.2020</a:t>
+              <a:t>06.04.2021</a:t>
             </a:fld>
             <a:endParaRPr lang="uk-UA"/>
           </a:p>
@@ -3256,7 +3256,7 @@
             <a:fld id="{6389AA22-90B4-448C-8B6B-C699140D38B9}" type="slidenum">
               <a:rPr lang="uk-UA" smtClean="0"/>
               <a:pPr/>
-              <a:t>‹#›</a:t>
+              <a:t>‹№›</a:t>
             </a:fld>
             <a:endParaRPr lang="uk-UA"/>
           </a:p>
@@ -3587,7 +3587,7 @@
           <a:p>
             <a:pPr algn="ctr"/>
             <a:r>
-              <a:rPr lang="en-US" sz="4400" b="1" dirty="0" smtClean="0">
+              <a:rPr lang="en-US" sz="4400" b="1" dirty="0">
                 <a:solidFill>
                   <a:srgbClr val="FFFF00"/>
                 </a:solidFill>
@@ -3596,7 +3596,7 @@
               <a:t>J</a:t>
             </a:r>
             <a:r>
-              <a:rPr lang="en-US" sz="4400" b="1" dirty="0" smtClean="0">
+              <a:rPr lang="en-US" sz="4400" b="1" dirty="0">
                 <a:solidFill>
                   <a:schemeClr val="bg1"/>
                 </a:solidFill>
@@ -3605,7 +3605,7 @@
               <a:t>ava</a:t>
             </a:r>
             <a:r>
-              <a:rPr lang="en-US" sz="4400" b="1" dirty="0" smtClean="0">
+              <a:rPr lang="en-US" sz="4400" b="1" dirty="0">
                 <a:solidFill>
                   <a:srgbClr val="FFFF00"/>
                 </a:solidFill>
@@ -3614,7 +3614,7 @@
               <a:t>S</a:t>
             </a:r>
             <a:r>
-              <a:rPr lang="en-US" sz="4400" b="1" dirty="0" smtClean="0">
+              <a:rPr lang="en-US" sz="4400" b="1" dirty="0">
                 <a:solidFill>
                   <a:schemeClr val="bg1"/>
                 </a:solidFill>
@@ -3623,7 +3623,7 @@
               <a:t>cript: </a:t>
             </a:r>
             <a:r>
-              <a:rPr lang="ru-RU" sz="4400" b="1" dirty="0" smtClean="0">
+              <a:rPr lang="ru-RU" sz="4400" b="1" dirty="0">
                 <a:solidFill>
                   <a:schemeClr val="bg1"/>
                 </a:solidFill>
@@ -3757,7 +3757,7 @@
           <a:p>
             <a:pPr algn="ctr" fontAlgn="base"/>
             <a:r>
-              <a:rPr lang="en-US" sz="3200" b="1" dirty="0" smtClean="0">
+              <a:rPr lang="en-US" sz="3200" b="1" dirty="0">
                 <a:solidFill>
                   <a:schemeClr val="bg1"/>
                 </a:solidFill>
@@ -3766,7 +3766,7 @@
               <a:t>ORT</a:t>
             </a:r>
             <a:r>
-              <a:rPr lang="en-US" sz="3200" b="1" dirty="0" smtClean="0">
+              <a:rPr lang="en-US" sz="3200" b="1" dirty="0">
                 <a:solidFill>
                   <a:srgbClr val="FFC000"/>
                 </a:solidFill>
@@ -3775,7 +3775,7 @@
               <a:t>DNIPRO</a:t>
             </a:r>
             <a:r>
-              <a:rPr lang="en-US" sz="3200" b="1" dirty="0" smtClean="0">
+              <a:rPr lang="en-US" sz="3200" b="1" dirty="0">
                 <a:solidFill>
                   <a:schemeClr val="bg1"/>
                 </a:solidFill>
@@ -3784,7 +3784,7 @@
               <a:t>.ORG</a:t>
             </a:r>
             <a:r>
-              <a:rPr lang="en-US" sz="3200" b="1" dirty="0" smtClean="0">
+              <a:rPr lang="en-US" sz="3200" b="1" dirty="0">
                 <a:solidFill>
                   <a:srgbClr val="FFC000"/>
                 </a:solidFill>
@@ -3811,13 +3811,6 @@
   <p:clrMapOvr>
     <a:masterClrMapping/>
   </p:clrMapOvr>
-  <p:timing>
-    <p:tnLst>
-      <p:par>
-        <p:cTn id="1" dur="indefinite" restart="never" nodeType="tmRoot"/>
-      </p:par>
-    </p:tnLst>
-  </p:timing>
 </p:sld>
 </file>
 
@@ -3931,29 +3924,28 @@
           <a:lstStyle/>
           <a:p>
             <a:r>
-              <a:rPr lang="ru-RU" sz="2800" dirty="0" smtClean="0"/>
+              <a:rPr lang="ru-RU" sz="2800" dirty="0"/>
               <a:t>Сравнение строк в </a:t>
             </a:r>
             <a:r>
-              <a:rPr lang="en-US" sz="2800" b="1" dirty="0" smtClean="0"/>
+              <a:rPr lang="en-US" sz="2800" b="1" dirty="0"/>
               <a:t>JavaScript</a:t>
             </a:r>
             <a:r>
-              <a:rPr lang="en-US" sz="2800" dirty="0" smtClean="0"/>
+              <a:rPr lang="en-US" sz="2800" dirty="0"/>
               <a:t> </a:t>
             </a:r>
             <a:r>
-              <a:rPr lang="ru-RU" sz="2800" dirty="0" smtClean="0"/>
+              <a:rPr lang="ru-RU" sz="2800" dirty="0"/>
               <a:t>осуществляется посимвольно. </a:t>
             </a:r>
             <a:br>
-              <a:rPr lang="ru-RU" sz="2800" dirty="0" smtClean="0"/>
+              <a:rPr lang="ru-RU" sz="2800" dirty="0"/>
             </a:br>
             <a:r>
-              <a:rPr lang="ru-RU" sz="2800" dirty="0" smtClean="0"/>
+              <a:rPr lang="ru-RU" sz="2800" dirty="0"/>
               <a:t>Выполняется сравнение кодов символов.</a:t>
             </a:r>
-            <a:endParaRPr lang="ru-RU" sz="2800" dirty="0"/>
           </a:p>
         </p:txBody>
       </p:sp>
@@ -4081,7 +4073,7 @@
                     <a:p>
                       <a:pPr algn="ctr"/>
                       <a:r>
-                        <a:rPr lang="en-US" sz="2800" dirty="0" smtClean="0">
+                        <a:rPr lang="en-US" sz="2800" dirty="0">
                           <a:solidFill>
                             <a:schemeClr val="tx1"/>
                           </a:solidFill>
@@ -4150,7 +4142,7 @@
                     <a:p>
                       <a:pPr algn="ctr"/>
                       <a:r>
-                        <a:rPr lang="en-US" sz="2800" dirty="0" smtClean="0">
+                        <a:rPr lang="en-US" sz="2800" dirty="0">
                           <a:solidFill>
                             <a:schemeClr val="tx1"/>
                           </a:solidFill>
@@ -4219,7 +4211,7 @@
                     <a:p>
                       <a:pPr algn="ctr"/>
                       <a:r>
-                        <a:rPr lang="en-US" sz="2800" dirty="0" smtClean="0">
+                        <a:rPr lang="en-US" sz="2800" dirty="0">
                           <a:solidFill>
                             <a:schemeClr val="tx1"/>
                           </a:solidFill>
@@ -4288,7 +4280,7 @@
                     <a:p>
                       <a:pPr algn="ctr"/>
                       <a:r>
-                        <a:rPr lang="en-US" sz="2800" dirty="0" smtClean="0">
+                        <a:rPr lang="en-US" sz="2800" dirty="0">
                           <a:solidFill>
                             <a:schemeClr val="tx1"/>
                           </a:solidFill>
@@ -4357,7 +4349,7 @@
                     <a:p>
                       <a:pPr algn="ctr"/>
                       <a:r>
-                        <a:rPr lang="en-US" sz="2800" dirty="0" smtClean="0">
+                        <a:rPr lang="en-US" sz="2800" dirty="0">
                           <a:solidFill>
                             <a:schemeClr val="tx1"/>
                           </a:solidFill>
@@ -4426,7 +4418,7 @@
                     <a:p>
                       <a:pPr algn="ctr"/>
                       <a:r>
-                        <a:rPr lang="en-US" sz="2800" dirty="0" smtClean="0">
+                        <a:rPr lang="en-US" sz="2800" dirty="0">
                           <a:solidFill>
                             <a:schemeClr val="tx1"/>
                           </a:solidFill>
@@ -4495,7 +4487,7 @@
                     <a:p>
                       <a:pPr algn="ctr"/>
                       <a:r>
-                        <a:rPr lang="en-US" sz="2800" dirty="0" smtClean="0">
+                        <a:rPr lang="en-US" sz="2800" dirty="0">
                           <a:solidFill>
                             <a:schemeClr val="tx1"/>
                           </a:solidFill>
@@ -4564,7 +4556,7 @@
                     <a:p>
                       <a:pPr algn="ctr"/>
                       <a:r>
-                        <a:rPr lang="en-US" sz="2800" dirty="0" smtClean="0">
+                        <a:rPr lang="en-US" sz="2800" dirty="0">
                           <a:solidFill>
                             <a:schemeClr val="tx1"/>
                           </a:solidFill>
@@ -4661,21 +4653,17 @@
             <a:pPr algn="ctr"/>
             <a:r>
               <a:rPr lang="ru-RU" sz="4400" b="1" dirty="0"/>
-              <a:t>Операторы </a:t>
-            </a:r>
-            <a:r>
-              <a:rPr lang="ru-RU" sz="4400" b="1" dirty="0" smtClean="0"/>
-              <a:t>сравнения</a:t>
-            </a:r>
-            <a:r>
-              <a:rPr lang="en-US" sz="4400" b="1" dirty="0" smtClean="0"/>
+              <a:t>Операторы сравнения</a:t>
+            </a:r>
+            <a:r>
+              <a:rPr lang="en-US" sz="4400" b="1" dirty="0"/>
               <a:t> </a:t>
             </a:r>
           </a:p>
           <a:p>
             <a:pPr algn="ctr"/>
             <a:r>
-              <a:rPr lang="en-US" sz="2800" b="1" dirty="0" smtClean="0">
+              <a:rPr lang="en-US" sz="2800" b="1" dirty="0">
                 <a:solidFill>
                   <a:schemeClr val="bg1">
                     <a:lumMod val="65000"/>
@@ -4685,7 +4673,7 @@
               <a:t>(</a:t>
             </a:r>
             <a:r>
-              <a:rPr lang="ru-RU" sz="2800" b="1" dirty="0" smtClean="0">
+              <a:rPr lang="ru-RU" sz="2800" b="1" dirty="0">
                 <a:solidFill>
                   <a:schemeClr val="bg1">
                     <a:lumMod val="65000"/>
@@ -4695,7 +4683,7 @@
               <a:t>или откуда берётся </a:t>
             </a:r>
             <a:r>
-              <a:rPr lang="en-US" sz="2800" b="1" dirty="0" err="1" smtClean="0">
+              <a:rPr lang="en-US" sz="2800" b="1" dirty="0" err="1">
                 <a:solidFill>
                   <a:schemeClr val="bg1">
                     <a:lumMod val="65000"/>
@@ -4705,7 +4693,7 @@
               <a:t>boolean</a:t>
             </a:r>
             <a:r>
-              <a:rPr lang="en-US" sz="2800" b="1" dirty="0" smtClean="0">
+              <a:rPr lang="en-US" sz="2800" b="1" dirty="0">
                 <a:solidFill>
                   <a:schemeClr val="bg1">
                     <a:lumMod val="65000"/>
@@ -4734,13 +4722,6 @@
   <p:clrMapOvr>
     <a:masterClrMapping/>
   </p:clrMapOvr>
-  <p:timing>
-    <p:tnLst>
-      <p:par>
-        <p:cTn id="1" dur="indefinite" restart="never" nodeType="tmRoot"/>
-      </p:par>
-    </p:tnLst>
-  </p:timing>
 </p:sld>
 </file>
 
@@ -4803,11 +4784,11 @@
           <a:p>
             <a:pPr algn="ctr"/>
             <a:r>
-              <a:rPr lang="en-US" sz="6600" b="1" dirty="0" smtClean="0"/>
-              <a:t>3. </a:t>
-            </a:r>
-            <a:r>
-              <a:rPr lang="ru-RU" sz="6600" b="1" dirty="0" smtClean="0"/>
+              <a:rPr lang="en-US" sz="6600" b="1" dirty="0"/>
+              <a:t>4. </a:t>
+            </a:r>
+            <a:r>
+              <a:rPr lang="ru-RU" sz="6600" b="1" dirty="0"/>
               <a:t>Логические операторы</a:t>
             </a:r>
             <a:endParaRPr lang="uk-UA" sz="6600" b="1" dirty="0"/>
@@ -4824,13 +4805,6 @@
   <p:clrMapOvr>
     <a:masterClrMapping/>
   </p:clrMapOvr>
-  <p:timing>
-    <p:tnLst>
-      <p:par>
-        <p:cTn id="1" dur="indefinite" restart="never" nodeType="tmRoot"/>
-      </p:par>
-    </p:tnLst>
-  </p:timing>
 </p:sld>
 </file>
 
@@ -4947,21 +4921,15 @@
               <a:rPr lang="ru-RU" sz="3600" b="1" dirty="0">
                 <a:latin typeface="+mn-lt"/>
               </a:rPr>
-              <a:t>Логические </a:t>
-            </a:r>
-            <a:r>
-              <a:rPr lang="ru-RU" sz="3600" b="1" dirty="0" smtClean="0">
-                <a:latin typeface="+mn-lt"/>
-              </a:rPr>
-              <a:t>операторы</a:t>
+              <a:t>Логические операторы</a:t>
             </a:r>
             <a:br>
-              <a:rPr lang="ru-RU" sz="3600" b="1" dirty="0" smtClean="0">
+              <a:rPr lang="ru-RU" sz="3600" b="1" dirty="0">
                 <a:latin typeface="+mn-lt"/>
               </a:rPr>
             </a:br>
             <a:r>
-              <a:rPr lang="ru-RU" sz="2800" b="1" dirty="0" smtClean="0">
+              <a:rPr lang="ru-RU" sz="2800" b="1" dirty="0">
                 <a:solidFill>
                   <a:schemeClr val="bg1">
                     <a:lumMod val="65000"/>
@@ -4972,16 +4940,6 @@
               <a:t>(</a:t>
             </a:r>
             <a:r>
-              <a:rPr lang="ru-RU" sz="2800" b="1" dirty="0" smtClean="0">
-                <a:solidFill>
-                  <a:schemeClr val="bg1">
-                    <a:lumMod val="65000"/>
-                  </a:schemeClr>
-                </a:solidFill>
-              </a:rPr>
-              <a:t>когда </a:t>
-            </a:r>
-            <a:r>
               <a:rPr lang="ru-RU" sz="2800" b="1" dirty="0">
                 <a:solidFill>
                   <a:schemeClr val="bg1">
@@ -4989,17 +4947,7 @@
                   </a:schemeClr>
                 </a:solidFill>
               </a:rPr>
-              <a:t>нужны «сложные» </a:t>
-            </a:r>
-            <a:r>
-              <a:rPr lang="ru-RU" sz="2800" b="1" dirty="0" smtClean="0">
-                <a:solidFill>
-                  <a:schemeClr val="bg1">
-                    <a:lumMod val="65000"/>
-                  </a:schemeClr>
-                </a:solidFill>
-              </a:rPr>
-              <a:t>условия)</a:t>
+              <a:t>когда нужны «сложные» условия)</a:t>
             </a:r>
             <a:endParaRPr lang="ru-RU" sz="2800" b="1" dirty="0">
               <a:solidFill>
@@ -5067,7 +5015,7 @@
                     <a:p>
                       <a:pPr algn="ctr"/>
                       <a:r>
-                        <a:rPr lang="en-US" sz="2800" dirty="0" smtClean="0">
+                        <a:rPr lang="en-US" sz="2800" dirty="0">
                           <a:solidFill>
                             <a:schemeClr val="tx1"/>
                           </a:solidFill>
@@ -5136,7 +5084,7 @@
                     <a:p>
                       <a:pPr algn="ctr"/>
                       <a:r>
-                        <a:rPr lang="en-US" sz="2800" dirty="0" smtClean="0">
+                        <a:rPr lang="en-US" sz="2800" dirty="0">
                           <a:solidFill>
                             <a:schemeClr val="tx1"/>
                           </a:solidFill>
@@ -5205,7 +5153,7 @@
                     <a:p>
                       <a:pPr algn="ctr"/>
                       <a:r>
-                        <a:rPr lang="en-US" sz="2800" dirty="0" smtClean="0">
+                        <a:rPr lang="en-US" sz="2800" dirty="0">
                           <a:solidFill>
                             <a:schemeClr val="tx1"/>
                           </a:solidFill>
@@ -5300,11 +5248,11 @@
           <a:lstStyle/>
           <a:p>
             <a:r>
-              <a:rPr lang="ru-RU" sz="2400" b="1" dirty="0" smtClean="0"/>
+              <a:rPr lang="ru-RU" sz="2400" b="1" dirty="0"/>
               <a:t>Логические операторы </a:t>
             </a:r>
             <a:r>
-              <a:rPr lang="ru-RU" sz="2400" dirty="0" smtClean="0"/>
+              <a:rPr lang="ru-RU" sz="2400" dirty="0"/>
               <a:t>позволяют скомбинировать несколько условий в одно. Например когда необходимо проверить, чтобы сумма была больше нуля, но меньше имеющегося баланса, при этом оба условия должны выполнятся одновременно.</a:t>
             </a:r>
             <a:endParaRPr lang="uk-UA" sz="2400" dirty="0"/>
@@ -5321,13 +5269,6 @@
   <p:clrMapOvr>
     <a:masterClrMapping/>
   </p:clrMapOvr>
-  <p:timing>
-    <p:tnLst>
-      <p:par>
-        <p:cTn id="1" dur="indefinite" restart="never" nodeType="tmRoot"/>
-      </p:par>
-    </p:tnLst>
-  </p:timing>
 </p:sld>
 </file>
 
@@ -5371,12 +5312,8 @@
           <a:lstStyle/>
           <a:p>
             <a:r>
-              <a:rPr lang="ru-RU" sz="4000" b="1" dirty="0" smtClean="0"/>
-              <a:t>Логические </a:t>
-            </a:r>
-            <a:r>
               <a:rPr lang="ru-RU" sz="4000" b="1" dirty="0"/>
-              <a:t>операторы</a:t>
+              <a:t>Логические операторы</a:t>
             </a:r>
             <a:endParaRPr lang="uk-UA" sz="4000" b="1" dirty="0">
               <a:solidFill>
@@ -5485,19 +5422,19 @@
               <a:t>Оператор </a:t>
             </a:r>
             <a:r>
-              <a:rPr lang="en-US" sz="2800" b="1" dirty="0" smtClean="0"/>
+              <a:rPr lang="en-US" sz="2800" b="1" dirty="0"/>
               <a:t>if</a:t>
             </a:r>
             <a:r>
-              <a:rPr lang="ru-RU" sz="2800" b="1" dirty="0" smtClean="0"/>
+              <a:rPr lang="ru-RU" sz="2800" b="1" dirty="0"/>
               <a:t>/</a:t>
             </a:r>
             <a:r>
-              <a:rPr lang="en-US" sz="2800" b="1" dirty="0" smtClean="0"/>
+              <a:rPr lang="en-US" sz="2800" b="1" dirty="0"/>
               <a:t>else</a:t>
             </a:r>
             <a:r>
-              <a:rPr lang="en-US" sz="2800" dirty="0" smtClean="0"/>
+              <a:rPr lang="en-US" sz="2800" dirty="0"/>
               <a:t> </a:t>
             </a:r>
             <a:r>
@@ -5599,13 +5536,6 @@
   <p:clrMapOvr>
     <a:masterClrMapping/>
   </p:clrMapOvr>
-  <p:timing>
-    <p:tnLst>
-      <p:par>
-        <p:cTn id="1" dur="indefinite" restart="never" nodeType="tmRoot"/>
-      </p:par>
-    </p:tnLst>
-  </p:timing>
 </p:sld>
 </file>
 
@@ -5720,14 +5650,11 @@
           <a:p>
             <a:pPr algn="ctr"/>
             <a:r>
-              <a:rPr lang="ru-RU" sz="4000" b="1" dirty="0" smtClean="0">
+              <a:rPr lang="ru-RU" sz="4000" b="1" dirty="0">
                 <a:latin typeface="+mn-lt"/>
               </a:rPr>
               <a:t>Таблица истинности логических операторов</a:t>
             </a:r>
-            <a:endParaRPr lang="ru-RU" sz="4000" b="1" dirty="0">
-              <a:latin typeface="+mn-lt"/>
-            </a:endParaRPr>
           </a:p>
         </p:txBody>
       </p:sp>
@@ -5786,7 +5713,7 @@
                     <a:p>
                       <a:pPr algn="ctr"/>
                       <a:r>
-                        <a:rPr lang="en-US" b="1" dirty="0" smtClean="0"/>
+                        <a:rPr lang="en-US" b="1" dirty="0"/>
                         <a:t>&amp;&amp;</a:t>
                       </a:r>
                       <a:endParaRPr lang="ru-RU" b="1" dirty="0"/>
@@ -5801,7 +5728,7 @@
                     <a:p>
                       <a:pPr algn="ctr"/>
                       <a:r>
-                        <a:rPr lang="en-US" b="1" dirty="0" smtClean="0"/>
+                        <a:rPr lang="en-US" b="1" dirty="0"/>
                         <a:t>False</a:t>
                       </a:r>
                       <a:endParaRPr lang="ru-RU" b="1" dirty="0"/>
@@ -5816,7 +5743,7 @@
                     <a:p>
                       <a:pPr algn="ctr"/>
                       <a:r>
-                        <a:rPr lang="en-US" b="1" dirty="0" smtClean="0"/>
+                        <a:rPr lang="en-US" b="1" dirty="0"/>
                         <a:t>True</a:t>
                       </a:r>
                       <a:endParaRPr lang="ru-RU" b="1" dirty="0"/>
@@ -5838,7 +5765,7 @@
                     <a:p>
                       <a:pPr algn="ctr"/>
                       <a:r>
-                        <a:rPr lang="en-US" b="1" dirty="0" smtClean="0"/>
+                        <a:rPr lang="en-US" b="1" dirty="0"/>
                         <a:t>False</a:t>
                       </a:r>
                       <a:endParaRPr lang="ru-RU" b="1" dirty="0"/>
@@ -5853,7 +5780,7 @@
                     <a:p>
                       <a:pPr algn="ctr"/>
                       <a:r>
-                        <a:rPr lang="en-US" dirty="0" smtClean="0"/>
+                        <a:rPr lang="en-US" dirty="0"/>
                         <a:t>False</a:t>
                       </a:r>
                       <a:endParaRPr lang="ru-RU" dirty="0"/>
@@ -5875,7 +5802,7 @@
                     <a:p>
                       <a:pPr algn="ctr"/>
                       <a:r>
-                        <a:rPr lang="en-US" dirty="0" smtClean="0"/>
+                        <a:rPr lang="en-US" dirty="0"/>
                         <a:t>False</a:t>
                       </a:r>
                       <a:endParaRPr lang="ru-RU" dirty="0"/>
@@ -5904,7 +5831,7 @@
                     <a:p>
                       <a:pPr algn="ctr"/>
                       <a:r>
-                        <a:rPr lang="en-US" b="1" dirty="0" smtClean="0"/>
+                        <a:rPr lang="en-US" b="1" dirty="0"/>
                         <a:t>True</a:t>
                       </a:r>
                       <a:endParaRPr lang="ru-RU" b="1" dirty="0"/>
@@ -5919,7 +5846,7 @@
                     <a:p>
                       <a:pPr algn="ctr"/>
                       <a:r>
-                        <a:rPr lang="en-US" dirty="0" smtClean="0"/>
+                        <a:rPr lang="en-US" dirty="0"/>
                         <a:t>False</a:t>
                       </a:r>
                       <a:endParaRPr lang="ru-RU" dirty="0"/>
@@ -5941,7 +5868,7 @@
                     <a:p>
                       <a:pPr algn="ctr"/>
                       <a:r>
-                        <a:rPr lang="en-US" dirty="0" smtClean="0"/>
+                        <a:rPr lang="en-US" dirty="0"/>
                         <a:t>True</a:t>
                       </a:r>
                       <a:endParaRPr lang="ru-RU" dirty="0"/>
@@ -6021,7 +5948,7 @@
                     <a:p>
                       <a:pPr algn="ctr"/>
                       <a:r>
-                        <a:rPr lang="en-US" b="1" dirty="0" smtClean="0"/>
+                        <a:rPr lang="en-US" b="1" dirty="0"/>
                         <a:t>||</a:t>
                       </a:r>
                       <a:endParaRPr lang="ru-RU" b="1" dirty="0"/>
@@ -6036,7 +5963,7 @@
                     <a:p>
                       <a:pPr algn="ctr"/>
                       <a:r>
-                        <a:rPr lang="en-US" b="1" dirty="0" smtClean="0"/>
+                        <a:rPr lang="en-US" b="1" dirty="0"/>
                         <a:t>False</a:t>
                       </a:r>
                       <a:endParaRPr lang="ru-RU" b="1" dirty="0"/>
@@ -6051,7 +5978,7 @@
                     <a:p>
                       <a:pPr algn="ctr"/>
                       <a:r>
-                        <a:rPr lang="en-US" b="1" dirty="0" smtClean="0"/>
+                        <a:rPr lang="en-US" b="1" dirty="0"/>
                         <a:t>True</a:t>
                       </a:r>
                       <a:endParaRPr lang="ru-RU" b="1" dirty="0"/>
@@ -6073,7 +6000,7 @@
                     <a:p>
                       <a:pPr algn="ctr"/>
                       <a:r>
-                        <a:rPr lang="en-US" b="1" dirty="0" smtClean="0"/>
+                        <a:rPr lang="en-US" b="1" dirty="0"/>
                         <a:t>False</a:t>
                       </a:r>
                       <a:endParaRPr lang="ru-RU" b="1" dirty="0"/>
@@ -6088,7 +6015,7 @@
                     <a:p>
                       <a:pPr algn="ctr"/>
                       <a:r>
-                        <a:rPr lang="en-US" dirty="0" smtClean="0"/>
+                        <a:rPr lang="en-US" dirty="0"/>
                         <a:t>False</a:t>
                       </a:r>
                       <a:endParaRPr lang="ru-RU" dirty="0"/>
@@ -6126,10 +6053,10 @@
                         <a:defRPr/>
                       </a:pPr>
                       <a:r>
-                        <a:rPr lang="en-US" dirty="0" smtClean="0"/>
+                        <a:rPr lang="en-US" dirty="0"/>
                         <a:t>True</a:t>
                       </a:r>
-                      <a:endParaRPr lang="ru-RU" dirty="0" smtClean="0"/>
+                      <a:endParaRPr lang="ru-RU" dirty="0"/>
                     </a:p>
                   </a:txBody>
                   <a:tcPr anchor="ctr">
@@ -6155,7 +6082,7 @@
                     <a:p>
                       <a:pPr algn="ctr"/>
                       <a:r>
-                        <a:rPr lang="en-US" b="1" dirty="0" smtClean="0"/>
+                        <a:rPr lang="en-US" b="1" dirty="0"/>
                         <a:t>True</a:t>
                       </a:r>
                       <a:endParaRPr lang="ru-RU" b="1" dirty="0"/>
@@ -6186,10 +6113,10 @@
                         <a:defRPr/>
                       </a:pPr>
                       <a:r>
-                        <a:rPr lang="en-US" dirty="0" smtClean="0"/>
+                        <a:rPr lang="en-US" dirty="0"/>
                         <a:t>True</a:t>
                       </a:r>
-                      <a:endParaRPr lang="ru-RU" dirty="0" smtClean="0"/>
+                      <a:endParaRPr lang="ru-RU" dirty="0"/>
                     </a:p>
                   </a:txBody>
                   <a:tcPr anchor="ctr">
@@ -6208,7 +6135,7 @@
                     <a:p>
                       <a:pPr algn="ctr"/>
                       <a:r>
-                        <a:rPr lang="en-US" dirty="0" smtClean="0"/>
+                        <a:rPr lang="en-US" dirty="0"/>
                         <a:t>True</a:t>
                       </a:r>
                       <a:endParaRPr lang="ru-RU" dirty="0"/>
@@ -6256,87 +6183,87 @@
           <a:lstStyle/>
           <a:p>
             <a:r>
-              <a:rPr lang="ru-RU" sz="2000" dirty="0" smtClean="0"/>
+              <a:rPr lang="ru-RU" sz="2000" dirty="0"/>
               <a:t>Возможные варианты для работы </a:t>
             </a:r>
             <a:r>
-              <a:rPr lang="ru-RU" sz="2000" b="1" dirty="0" smtClean="0"/>
+              <a:rPr lang="ru-RU" sz="2000" b="1" dirty="0"/>
               <a:t>оператора </a:t>
             </a:r>
             <a:r>
-              <a:rPr lang="en-US" sz="2000" b="1" dirty="0" smtClean="0"/>
+              <a:rPr lang="en-US" sz="2000" b="1" dirty="0"/>
               <a:t>&amp;&amp;</a:t>
             </a:r>
             <a:r>
-              <a:rPr lang="en-US" sz="2000" dirty="0" smtClean="0"/>
+              <a:rPr lang="en-US" sz="2000" dirty="0"/>
               <a:t> (</a:t>
             </a:r>
             <a:r>
-              <a:rPr lang="ru-RU" sz="2000" dirty="0" smtClean="0"/>
+              <a:rPr lang="ru-RU" sz="2000" dirty="0"/>
               <a:t>оператор И</a:t>
             </a:r>
             <a:r>
-              <a:rPr lang="en-US" sz="2000" dirty="0" smtClean="0"/>
+              <a:rPr lang="en-US" sz="2000" dirty="0"/>
               <a:t>)</a:t>
             </a:r>
             <a:r>
-              <a:rPr lang="ru-RU" sz="2000" dirty="0" smtClean="0"/>
+              <a:rPr lang="ru-RU" sz="2000" dirty="0"/>
               <a:t> </a:t>
             </a:r>
             <a:r>
-              <a:rPr lang="ru-RU" sz="2000" b="1" dirty="0" smtClean="0"/>
+              <a:rPr lang="ru-RU" sz="2000" b="1" dirty="0"/>
               <a:t>и оператора</a:t>
             </a:r>
             <a:r>
-              <a:rPr lang="en-US" sz="2000" b="1" dirty="0" smtClean="0"/>
+              <a:rPr lang="en-US" sz="2000" b="1" dirty="0"/>
               <a:t> || </a:t>
             </a:r>
             <a:r>
-              <a:rPr lang="ru-RU" sz="2000" dirty="0" smtClean="0"/>
+              <a:rPr lang="ru-RU" sz="2000" dirty="0"/>
               <a:t>(оператор ИЛИ). Первому необходимо чтобы и левое и правое условие давали </a:t>
             </a:r>
             <a:r>
-              <a:rPr lang="en-US" sz="2000" b="1" dirty="0" smtClean="0"/>
+              <a:rPr lang="en-US" sz="2000" b="1" dirty="0"/>
               <a:t>true</a:t>
             </a:r>
             <a:r>
-              <a:rPr lang="en-US" sz="2000" dirty="0" smtClean="0"/>
+              <a:rPr lang="en-US" sz="2000" dirty="0"/>
               <a:t> </a:t>
             </a:r>
             <a:r>
-              <a:rPr lang="ru-RU" sz="2000" dirty="0" smtClean="0"/>
+              <a:rPr lang="ru-RU" sz="2000" dirty="0"/>
               <a:t>и тогда результат будет </a:t>
             </a:r>
             <a:r>
-              <a:rPr lang="en-US" sz="2000" b="1" dirty="0" smtClean="0"/>
+              <a:rPr lang="en-US" sz="2000" b="1" dirty="0"/>
               <a:t>true</a:t>
             </a:r>
             <a:r>
-              <a:rPr lang="ru-RU" sz="2000" dirty="0" smtClean="0"/>
+              <a:rPr lang="ru-RU" sz="2000" dirty="0"/>
               <a:t>, второму достаточно, чтобы хоть один из операндов был </a:t>
             </a:r>
             <a:r>
-              <a:rPr lang="en-US" sz="2000" b="1" dirty="0" smtClean="0"/>
+              <a:rPr lang="en-US" sz="2000" b="1" dirty="0"/>
               <a:t>true</a:t>
             </a:r>
             <a:r>
-              <a:rPr lang="en-US" sz="2000" dirty="0" smtClean="0"/>
+              <a:rPr lang="en-US" sz="2000" dirty="0"/>
               <a:t> </a:t>
             </a:r>
             <a:r>
-              <a:rPr lang="ru-RU" sz="2000" dirty="0" smtClean="0"/>
+              <a:rPr lang="ru-RU" sz="2000" dirty="0"/>
               <a:t>для итогового позитивного результата. Во всех остальных случаях операторы возвращают </a:t>
             </a:r>
             <a:r>
-              <a:rPr lang="en-US" sz="2000" b="1" dirty="0" smtClean="0"/>
+              <a:rPr lang="en-US" sz="2000" b="1" dirty="0"/>
               <a:t>false</a:t>
             </a:r>
             <a:r>
-              <a:rPr lang="en-US" sz="2000" dirty="0" smtClean="0"/>
+              <a:rPr lang="en-US" sz="2000" dirty="0"/>
               <a:t>.</a:t>
             </a:r>
             <a:r>
-              <a:rPr lang="ru-RU" sz="2000" dirty="0" smtClean="0"/>
+              <a:rPr lang="ru-RU" sz="2000" dirty="0"/>
               <a:t> </a:t>
             </a:r>
             <a:endParaRPr lang="uk-UA" sz="2000" dirty="0"/>
@@ -6353,13 +6280,6 @@
   <p:clrMapOvr>
     <a:masterClrMapping/>
   </p:clrMapOvr>
-  <p:timing>
-    <p:tnLst>
-      <p:par>
-        <p:cTn id="1" dur="indefinite" restart="never" nodeType="tmRoot"/>
-      </p:par>
-    </p:tnLst>
-  </p:timing>
 </p:sld>
 </file>
 
@@ -6422,15 +6342,11 @@
           <a:p>
             <a:pPr algn="ctr"/>
             <a:r>
-              <a:rPr lang="ru-RU" sz="6600" b="1" dirty="0" smtClean="0"/>
-              <a:t>4</a:t>
-            </a:r>
-            <a:r>
-              <a:rPr lang="en-US" sz="6600" b="1" dirty="0" smtClean="0"/>
-              <a:t>. </a:t>
-            </a:r>
-            <a:r>
-              <a:rPr lang="ru-RU" sz="6600" b="1" dirty="0" smtClean="0"/>
+              <a:rPr lang="en-US" sz="6600" b="1" dirty="0"/>
+              <a:t>5. </a:t>
+            </a:r>
+            <a:r>
+              <a:rPr lang="ru-RU" sz="6600" b="1" dirty="0"/>
               <a:t>Тернарный оператор</a:t>
             </a:r>
             <a:endParaRPr lang="uk-UA" sz="6600" b="1" dirty="0"/>
@@ -6447,13 +6363,6 @@
   <p:clrMapOvr>
     <a:masterClrMapping/>
   </p:clrMapOvr>
-  <p:timing>
-    <p:tnLst>
-      <p:par>
-        <p:cTn id="1" dur="indefinite" restart="never" nodeType="tmRoot"/>
-      </p:par>
-    </p:tnLst>
-  </p:timing>
 </p:sld>
 </file>
 
@@ -6592,14 +6501,11 @@
           <a:p>
             <a:pPr algn="ctr"/>
             <a:r>
-              <a:rPr lang="ru-RU" sz="4000" b="1" dirty="0" smtClean="0">
+              <a:rPr lang="ru-RU" sz="4000" b="1" dirty="0">
                 <a:latin typeface="+mn-lt"/>
               </a:rPr>
               <a:t>Тернарный оператор</a:t>
             </a:r>
-            <a:endParaRPr lang="ru-RU" sz="4000" b="1" dirty="0">
-              <a:latin typeface="+mn-lt"/>
-            </a:endParaRPr>
           </a:p>
         </p:txBody>
       </p:sp>
@@ -6626,11 +6532,11 @@
           <a:lstStyle/>
           <a:p>
             <a:r>
-              <a:rPr lang="ru-RU" sz="2000" b="1" dirty="0" smtClean="0"/>
+              <a:rPr lang="ru-RU" sz="2000" b="1" dirty="0"/>
               <a:t>Тернарный оператор </a:t>
             </a:r>
             <a:r>
-              <a:rPr lang="ru-RU" sz="2000" dirty="0" smtClean="0"/>
+              <a:rPr lang="ru-RU" sz="2000" dirty="0"/>
               <a:t>– сокращенная форма записи условного оператора. Особенно удобен ветвления между действиями которые можно задать в одно выражение.</a:t>
             </a:r>
             <a:endParaRPr lang="uk-UA" sz="2000" dirty="0"/>
@@ -6647,13 +6553,6 @@
   <p:clrMapOvr>
     <a:masterClrMapping/>
   </p:clrMapOvr>
-  <p:timing>
-    <p:tnLst>
-      <p:par>
-        <p:cTn id="1" dur="indefinite" restart="never" nodeType="tmRoot"/>
-      </p:par>
-    </p:tnLst>
-  </p:timing>
 </p:sld>
 </file>
 
@@ -6716,19 +6615,19 @@
           <a:p>
             <a:pPr algn="ctr"/>
             <a:r>
+              <a:rPr lang="en-US" sz="6000" b="1" dirty="0"/>
+              <a:t>6</a:t>
+            </a:r>
+            <a:r>
               <a:rPr lang="ru-RU" sz="6000" b="1" dirty="0"/>
-              <a:t>5</a:t>
-            </a:r>
-            <a:r>
-              <a:rPr lang="ru-RU" sz="6000" b="1" dirty="0" smtClean="0"/>
               <a:t>. Немного практики</a:t>
             </a:r>
             <a:r>
-              <a:rPr lang="en-US" sz="6000" b="1" dirty="0" smtClean="0"/>
+              <a:rPr lang="en-US" sz="6000" b="1" dirty="0"/>
               <a:t> #</a:t>
             </a:r>
             <a:r>
-              <a:rPr lang="ru-RU" sz="6000" b="1" dirty="0" smtClean="0"/>
+              <a:rPr lang="ru-RU" sz="6000" b="1" dirty="0"/>
               <a:t>1</a:t>
             </a:r>
             <a:endParaRPr lang="uk-UA" sz="6000" b="1" dirty="0"/>
@@ -6745,13 +6644,6 @@
   <p:clrMapOvr>
     <a:masterClrMapping/>
   </p:clrMapOvr>
-  <p:timing>
-    <p:tnLst>
-      <p:par>
-        <p:cTn id="1" dur="indefinite" restart="never" nodeType="tmRoot"/>
-      </p:par>
-    </p:tnLst>
-  </p:timing>
 </p:sld>
 </file>
 
@@ -6869,18 +6761,17 @@
               <a:t>Задача: </a:t>
             </a:r>
             <a:r>
-              <a:rPr lang="ru-RU" sz="3200" dirty="0" smtClean="0"/>
+              <a:rPr lang="ru-RU" sz="3200" dirty="0"/>
               <a:t>У пользователя есть сумма на счету в банке</a:t>
             </a:r>
             <a:r>
-              <a:rPr lang="en-US" sz="3200" dirty="0" smtClean="0"/>
+              <a:rPr lang="en-US" sz="3200" dirty="0"/>
               <a:t>.</a:t>
             </a:r>
             <a:r>
-              <a:rPr lang="ru-RU" sz="3200" dirty="0" smtClean="0"/>
+              <a:rPr lang="ru-RU" sz="3200" dirty="0"/>
               <a:t> Он хочет выполнить перевод части денег, а банк хочет взять за это комиссию. Необходимо рассчитать сумму комиссии при тарифе в 1% (минимум 10 гривен, максимум 250 гривен). </a:t>
             </a:r>
-            <a:endParaRPr lang="ru-RU" sz="3200" dirty="0"/>
           </a:p>
         </p:txBody>
       </p:sp>
@@ -6894,13 +6785,6 @@
   <p:clrMapOvr>
     <a:masterClrMapping/>
   </p:clrMapOvr>
-  <p:timing>
-    <p:tnLst>
-      <p:par>
-        <p:cTn id="1" dur="indefinite" restart="never" nodeType="tmRoot"/>
-      </p:par>
-    </p:tnLst>
-  </p:timing>
 </p:sld>
 </file>
 
@@ -6963,19 +6847,19 @@
           <a:p>
             <a:pPr algn="ctr"/>
             <a:r>
+              <a:rPr lang="en-US" sz="6000" b="1" dirty="0"/>
+              <a:t>7</a:t>
+            </a:r>
+            <a:r>
               <a:rPr lang="ru-RU" sz="6000" b="1" dirty="0"/>
-              <a:t>6</a:t>
-            </a:r>
-            <a:r>
-              <a:rPr lang="ru-RU" sz="6000" b="1" dirty="0" smtClean="0"/>
               <a:t>. Немного практики</a:t>
             </a:r>
             <a:r>
-              <a:rPr lang="en-US" sz="6000" b="1" dirty="0" smtClean="0"/>
+              <a:rPr lang="en-US" sz="6000" b="1" dirty="0"/>
               <a:t> #</a:t>
             </a:r>
             <a:r>
-              <a:rPr lang="ru-RU" sz="6000" b="1" dirty="0" smtClean="0"/>
+              <a:rPr lang="ru-RU" sz="6000" b="1" dirty="0"/>
               <a:t>2</a:t>
             </a:r>
             <a:endParaRPr lang="uk-UA" sz="6000" b="1" dirty="0"/>
@@ -6992,13 +6876,6 @@
   <p:clrMapOvr>
     <a:masterClrMapping/>
   </p:clrMapOvr>
-  <p:timing>
-    <p:tnLst>
-      <p:par>
-        <p:cTn id="1" dur="indefinite" restart="never" nodeType="tmRoot"/>
-      </p:par>
-    </p:tnLst>
-  </p:timing>
 </p:sld>
 </file>
 
@@ -7061,11 +6938,11 @@
           <a:p>
             <a:pPr algn="ctr"/>
             <a:r>
-              <a:rPr lang="ru-RU" sz="7200" b="1" dirty="0" smtClean="0"/>
+              <a:rPr lang="ru-RU" sz="7200" b="1" dirty="0"/>
               <a:t>1. Тип </a:t>
             </a:r>
             <a:r>
-              <a:rPr lang="en-US" sz="7200" b="1" dirty="0" smtClean="0">
+              <a:rPr lang="en-US" sz="7200" b="1" dirty="0">
                 <a:solidFill>
                   <a:srgbClr val="FFFF00"/>
                 </a:solidFill>
@@ -7090,13 +6967,6 @@
   <p:clrMapOvr>
     <a:masterClrMapping/>
   </p:clrMapOvr>
-  <p:timing>
-    <p:tnLst>
-      <p:par>
-        <p:cTn id="1" dur="indefinite" restart="never" nodeType="tmRoot"/>
-      </p:par>
-    </p:tnLst>
-  </p:timing>
 </p:sld>
 </file>
 
@@ -7250,15 +7120,7 @@
             </a:r>
             <a:r>
               <a:rPr lang="ru-RU" sz="3600" dirty="0"/>
-              <a:t>, необходимо </a:t>
-            </a:r>
-            <a:r>
-              <a:rPr lang="ru-RU" sz="3600" dirty="0" smtClean="0"/>
-              <a:t>рассчитать </a:t>
-            </a:r>
-            <a:r>
-              <a:rPr lang="ru-RU" sz="3600" dirty="0"/>
-              <a:t>сколько человеку полных лет</a:t>
+              <a:t>, необходимо рассчитать сколько человеку полных лет</a:t>
             </a:r>
             <a:r>
               <a:rPr lang="en-US" sz="3600" dirty="0"/>
@@ -7266,13 +7128,8 @@
             </a:r>
             <a:r>
               <a:rPr lang="ru-RU" sz="3600" dirty="0"/>
-              <a:t>на сегодняшний </a:t>
-            </a:r>
-            <a:r>
-              <a:rPr lang="ru-RU" sz="3600" dirty="0" smtClean="0"/>
-              <a:t>день.</a:t>
-            </a:r>
-            <a:endParaRPr lang="ru-RU" sz="3600" dirty="0"/>
+              <a:t>на сегодняшний день.</a:t>
+            </a:r>
           </a:p>
         </p:txBody>
       </p:sp>
@@ -7286,13 +7143,6 @@
   <p:clrMapOvr>
     <a:masterClrMapping/>
   </p:clrMapOvr>
-  <p:timing>
-    <p:tnLst>
-      <p:par>
-        <p:cTn id="1" dur="indefinite" restart="never" nodeType="tmRoot"/>
-      </p:par>
-    </p:tnLst>
-  </p:timing>
 </p:sld>
 </file>
 
@@ -7356,11 +7206,7 @@
             <a:pPr algn="ctr"/>
             <a:r>
               <a:rPr lang="ru-RU" sz="7200" b="1" dirty="0"/>
-              <a:t>Домашнее </a:t>
-            </a:r>
-            <a:r>
-              <a:rPr lang="ru-RU" sz="7200" b="1" dirty="0" smtClean="0"/>
-              <a:t>задание</a:t>
+              <a:t>Домашнее задание</a:t>
             </a:r>
           </a:p>
         </p:txBody>
@@ -7375,13 +7221,6 @@
   <p:clrMapOvr>
     <a:masterClrMapping/>
   </p:clrMapOvr>
-  <p:timing>
-    <p:tnLst>
-      <p:par>
-        <p:cTn id="1" dur="indefinite" restart="never" nodeType="tmRoot"/>
-      </p:par>
-    </p:tnLst>
-  </p:timing>
 </p:sld>
 </file>
 
@@ -7500,7 +7339,7 @@
               <a:t>Домашнее задание </a:t>
             </a:r>
             <a:r>
-              <a:rPr lang="en-US" sz="4800" b="1" dirty="0" smtClean="0">
+              <a:rPr lang="en-US" sz="4800" b="1" dirty="0">
                 <a:solidFill>
                   <a:srgbClr val="00B050"/>
                 </a:solidFill>
@@ -7554,53 +7393,44 @@
             </a:r>
             <a:r>
               <a:rPr lang="ru-RU" sz="2800" dirty="0"/>
-              <a:t>о том, </a:t>
-            </a:r>
-            <a:r>
-              <a:rPr lang="ru-RU" sz="2800" dirty="0" smtClean="0"/>
-              <a:t>что</a:t>
-            </a:r>
-            <a:r>
-              <a:rPr lang="en-US" sz="2800" dirty="0" smtClean="0"/>
+              <a:t>о том, что</a:t>
+            </a:r>
+            <a:r>
+              <a:rPr lang="en-US" sz="2800" dirty="0"/>
               <a:t> </a:t>
             </a:r>
             <a:r>
-              <a:rPr lang="ru-RU" sz="2800" dirty="0" smtClean="0"/>
-              <a:t>означает индекс (текстом, в </a:t>
-            </a:r>
-            <a:r>
               <a:rPr lang="ru-RU" sz="2800" dirty="0"/>
-              <a:t>соответствии с </a:t>
+              <a:t>означает индекс (текстом, в соответствии с </a:t>
             </a:r>
             <a:r>
               <a:rPr lang="en-US" sz="2800" dirty="0"/>
               <a:t>Wikipedia</a:t>
             </a:r>
             <a:r>
-              <a:rPr lang="ru-RU" sz="2800" dirty="0" smtClean="0"/>
+              <a:rPr lang="ru-RU" sz="2800" dirty="0"/>
               <a:t>)</a:t>
             </a:r>
             <a:r>
-              <a:rPr lang="en-US" sz="2800" dirty="0" smtClean="0"/>
+              <a:rPr lang="en-US" sz="2800" dirty="0"/>
               <a:t>. </a:t>
             </a:r>
             <a:r>
-              <a:rPr lang="ru-RU" sz="2800" i="1" dirty="0" smtClean="0"/>
+              <a:rPr lang="ru-RU" sz="2800" i="1" dirty="0"/>
               <a:t>«Многоэтажных» </a:t>
             </a:r>
             <a:r>
-              <a:rPr lang="en-US" sz="2800" i="1" dirty="0" smtClean="0"/>
+              <a:rPr lang="en-US" sz="2800" i="1" dirty="0"/>
               <a:t>if </a:t>
             </a:r>
             <a:r>
-              <a:rPr lang="ru-RU" sz="2800" i="1" dirty="0" smtClean="0"/>
+              <a:rPr lang="ru-RU" sz="2800" i="1" dirty="0"/>
               <a:t>поможет в этом</a:t>
             </a:r>
             <a:r>
-              <a:rPr lang="ru-RU" sz="2800" dirty="0" smtClean="0"/>
+              <a:rPr lang="ru-RU" sz="2800" dirty="0"/>
               <a:t>.</a:t>
             </a:r>
-            <a:endParaRPr lang="ru-RU" sz="2800" dirty="0"/>
           </a:p>
         </p:txBody>
       </p:sp>
@@ -7627,7 +7457,7 @@
           <a:lstStyle/>
           <a:p>
             <a:r>
-              <a:rPr lang="ru-RU" sz="4000" b="1" strike="sngStrike" dirty="0">
+              <a:rPr lang="ru-RU" sz="4000" b="1" dirty="0">
                 <a:solidFill>
                   <a:schemeClr val="bg1">
                     <a:lumMod val="65000"/>
@@ -7637,7 +7467,7 @@
               <a:t>Задача: </a:t>
             </a:r>
             <a:r>
-              <a:rPr lang="ru-RU" sz="4000" strike="sngStrike" dirty="0">
+              <a:rPr lang="ru-RU" sz="4000" dirty="0">
                 <a:solidFill>
                   <a:schemeClr val="bg1">
                     <a:lumMod val="65000"/>
@@ -7647,7 +7477,7 @@
               <a:t>Разработать скрипт который рассчитывает </a:t>
             </a:r>
             <a:r>
-              <a:rPr lang="ru-RU" sz="4000" b="1" strike="sngStrike" dirty="0">
+              <a:rPr lang="ru-RU" sz="4000" b="1" dirty="0">
                 <a:solidFill>
                   <a:schemeClr val="bg1">
                     <a:lumMod val="65000"/>
@@ -7657,7 +7487,7 @@
               <a:t>индекс массы тела</a:t>
             </a:r>
             <a:r>
-              <a:rPr lang="en-US" sz="4000" b="1" strike="sngStrike" dirty="0">
+              <a:rPr lang="en-US" sz="4000" b="1" dirty="0">
                 <a:solidFill>
                   <a:schemeClr val="bg1">
                     <a:lumMod val="65000"/>
@@ -7667,7 +7497,7 @@
               <a:t> </a:t>
             </a:r>
             <a:r>
-              <a:rPr lang="ru-RU" sz="4000" strike="sngStrike" dirty="0" smtClean="0">
+              <a:rPr lang="ru-RU" sz="4000" dirty="0">
                 <a:solidFill>
                   <a:schemeClr val="bg1">
                     <a:lumMod val="65000"/>
@@ -7677,7 +7507,7 @@
               <a:t>пользователя</a:t>
             </a:r>
             <a:r>
-              <a:rPr lang="en-US" sz="4000" strike="sngStrike" dirty="0">
+              <a:rPr lang="en-US" sz="4000" dirty="0">
                 <a:solidFill>
                   <a:schemeClr val="bg1">
                     <a:lumMod val="65000"/>
@@ -7686,7 +7516,7 @@
               </a:rPr>
               <a:t>.</a:t>
             </a:r>
-            <a:endParaRPr lang="ru-RU" sz="4000" strike="sngStrike" dirty="0">
+            <a:endParaRPr lang="ru-RU" sz="4000" dirty="0">
               <a:solidFill>
                 <a:schemeClr val="bg1">
                   <a:lumMod val="65000"/>
@@ -7706,13 +7536,6 @@
   <p:clrMapOvr>
     <a:masterClrMapping/>
   </p:clrMapOvr>
-  <p:timing>
-    <p:tnLst>
-      <p:par>
-        <p:cTn id="1" dur="indefinite" restart="never" nodeType="tmRoot"/>
-      </p:par>
-    </p:tnLst>
-  </p:timing>
 </p:sld>
 </file>
 
@@ -7831,7 +7654,7 @@
               <a:t>Домашнее задание </a:t>
             </a:r>
             <a:r>
-              <a:rPr lang="en-US" sz="4800" b="1" dirty="0" smtClean="0">
+              <a:rPr lang="en-US" sz="4800" b="1" dirty="0">
                 <a:solidFill>
                   <a:srgbClr val="00B050"/>
                 </a:solidFill>
@@ -7888,11 +7711,11 @@
               <a:t>високосный год или нет</a:t>
             </a:r>
             <a:r>
-              <a:rPr lang="ru-RU" sz="3600" dirty="0" smtClean="0"/>
+              <a:rPr lang="ru-RU" sz="3600" dirty="0"/>
               <a:t>. </a:t>
             </a:r>
             <a:r>
-              <a:rPr lang="ru-RU" sz="3600" i="1" dirty="0" smtClean="0">
+              <a:rPr lang="ru-RU" sz="3600" i="1" dirty="0">
                 <a:solidFill>
                   <a:schemeClr val="bg1">
                     <a:lumMod val="65000"/>
@@ -7902,7 +7725,7 @@
               <a:t>Подсказка: оператор </a:t>
             </a:r>
             <a:r>
-              <a:rPr lang="en-US" sz="3600" b="1" i="1" dirty="0" smtClean="0">
+              <a:rPr lang="en-US" sz="3600" b="1" i="1" dirty="0">
                 <a:solidFill>
                   <a:schemeClr val="bg1">
                     <a:lumMod val="65000"/>
@@ -7912,7 +7735,7 @@
               <a:t>%</a:t>
             </a:r>
             <a:r>
-              <a:rPr lang="en-US" sz="3600" i="1" dirty="0" smtClean="0">
+              <a:rPr lang="en-US" sz="3600" i="1" dirty="0">
                 <a:solidFill>
                   <a:schemeClr val="bg1">
                     <a:lumMod val="65000"/>
@@ -7922,7 +7745,7 @@
               <a:t> </a:t>
             </a:r>
             <a:r>
-              <a:rPr lang="ru-RU" sz="3600" i="1" dirty="0" smtClean="0">
+              <a:rPr lang="ru-RU" sz="3600" i="1" dirty="0">
                 <a:solidFill>
                   <a:schemeClr val="bg1">
                     <a:lumMod val="65000"/>
@@ -7932,7 +7755,7 @@
               <a:t>может вам помочь (но он </a:t>
             </a:r>
             <a:r>
-              <a:rPr lang="ru-RU" sz="3600" b="1" i="1" dirty="0" smtClean="0">
+              <a:rPr lang="ru-RU" sz="3600" b="1" i="1" dirty="0">
                 <a:solidFill>
                   <a:schemeClr val="bg1">
                     <a:lumMod val="65000"/>
@@ -7942,7 +7765,7 @@
               <a:t>не</a:t>
             </a:r>
             <a:r>
-              <a:rPr lang="ru-RU" sz="3600" i="1" dirty="0" smtClean="0">
+              <a:rPr lang="ru-RU" sz="3600" i="1" dirty="0">
                 <a:solidFill>
                   <a:schemeClr val="bg1">
                     <a:lumMod val="65000"/>
@@ -7951,13 +7774,6 @@
               </a:rPr>
               <a:t> берёт процент от числа).</a:t>
             </a:r>
-            <a:endParaRPr lang="ru-RU" sz="3600" i="1" dirty="0">
-              <a:solidFill>
-                <a:schemeClr val="bg1">
-                  <a:lumMod val="65000"/>
-                </a:schemeClr>
-              </a:solidFill>
-            </a:endParaRPr>
           </a:p>
         </p:txBody>
       </p:sp>
@@ -7971,13 +7787,6 @@
   <p:clrMapOvr>
     <a:masterClrMapping/>
   </p:clrMapOvr>
-  <p:timing>
-    <p:tnLst>
-      <p:par>
-        <p:cTn id="1" dur="indefinite" restart="never" nodeType="tmRoot"/>
-      </p:par>
-    </p:tnLst>
-  </p:timing>
 </p:sld>
 </file>
 
@@ -8064,13 +7873,6 @@
   <p:clrMapOvr>
     <a:masterClrMapping/>
   </p:clrMapOvr>
-  <p:timing>
-    <p:tnLst>
-      <p:par>
-        <p:cTn id="1" dur="indefinite" restart="never" nodeType="tmRoot"/>
-      </p:par>
-    </p:tnLst>
-  </p:timing>
 </p:sld>
 </file>
 
@@ -8184,11 +7986,11 @@
           <a:p>
             <a:pPr algn="ctr"/>
             <a:r>
-              <a:rPr lang="ru-RU" sz="4000" b="1" dirty="0" smtClean="0"/>
+              <a:rPr lang="ru-RU" sz="4000" b="1" dirty="0"/>
               <a:t>Следующая тема: </a:t>
             </a:r>
             <a:r>
-              <a:rPr lang="ru-RU" sz="4000" b="1" dirty="0" smtClean="0">
+              <a:rPr lang="ru-RU" sz="4000" b="1" dirty="0">
                 <a:solidFill>
                   <a:srgbClr val="00B0F0"/>
                 </a:solidFill>
@@ -8239,18 +8041,10 @@
                   <a:srgbClr val="00B050"/>
                 </a:solidFill>
               </a:rPr>
-              <a:t>посмотрите небольшой ролик </a:t>
-            </a:r>
-            <a:r>
-              <a:rPr lang="ru-RU" sz="2400" b="1" dirty="0" smtClean="0">
-                <a:solidFill>
-                  <a:srgbClr val="00B050"/>
-                </a:solidFill>
-              </a:rPr>
-              <a:t>о</a:t>
-            </a:r>
-            <a:r>
-              <a:rPr lang="en-US" sz="2400" b="1" dirty="0" smtClean="0">
+              <a:t>посмотрите небольшой ролик о</a:t>
+            </a:r>
+            <a:r>
+              <a:rPr lang="en-US" sz="2400" b="1" dirty="0">
                 <a:solidFill>
                   <a:srgbClr val="00B050"/>
                 </a:solidFill>
@@ -8258,7 +8052,7 @@
               <a:t> </a:t>
             </a:r>
             <a:r>
-              <a:rPr lang="ru-RU" sz="2400" b="1" dirty="0" smtClean="0">
+              <a:rPr lang="ru-RU" sz="2400" b="1" dirty="0">
                 <a:solidFill>
                   <a:srgbClr val="00B050"/>
                 </a:solidFill>
@@ -8352,15 +8146,9 @@
               <a:rPr lang="uk-UA" sz="2400" b="1" dirty="0">
                 <a:hlinkClick r:id="rId3"/>
               </a:rPr>
-              <a:t>https://</a:t>
-            </a:r>
-            <a:r>
-              <a:rPr lang="uk-UA" sz="2400" b="1" dirty="0" smtClean="0">
-                <a:hlinkClick r:id="rId3"/>
-              </a:rPr>
-              <a:t>youtu.be/TREWm2urXtk</a:t>
-            </a:r>
-            <a:endParaRPr lang="uk-UA" sz="2400" b="1" dirty="0" smtClean="0"/>
+              <a:t>https://youtu.be/TREWm2urXtk</a:t>
+            </a:r>
+            <a:endParaRPr lang="uk-UA" sz="2400" b="1" dirty="0"/>
           </a:p>
         </p:txBody>
       </p:sp>
@@ -8374,13 +8162,6 @@
   <p:clrMapOvr>
     <a:masterClrMapping/>
   </p:clrMapOvr>
-  <p:timing>
-    <p:tnLst>
-      <p:par>
-        <p:cTn id="1" dur="indefinite" restart="never" nodeType="tmRoot"/>
-      </p:par>
-    </p:tnLst>
-  </p:timing>
 </p:sld>
 </file>
 
@@ -8501,7 +8282,7 @@
               <a:t>Тип </a:t>
             </a:r>
             <a:r>
-              <a:rPr lang="en-US" sz="4000" b="1" dirty="0" err="1" smtClean="0">
+              <a:rPr lang="en-US" sz="4000" b="1" dirty="0" err="1">
                 <a:solidFill>
                   <a:schemeClr val="accent6">
                     <a:lumMod val="75000"/>
@@ -8577,14 +8358,13 @@
               <a:t>)</a:t>
             </a:r>
             <a:r>
-              <a:rPr lang="en-US" sz="2600" dirty="0" smtClean="0"/>
+              <a:rPr lang="en-US" sz="2600" dirty="0"/>
               <a:t>. </a:t>
             </a:r>
             <a:r>
-              <a:rPr lang="ru-RU" sz="2600" dirty="0" smtClean="0"/>
+              <a:rPr lang="ru-RU" sz="2600" dirty="0"/>
               <a:t>Несмотря на простоту, этот тип применяется во многих конструкциях языка.</a:t>
             </a:r>
-            <a:endParaRPr lang="ru-RU" sz="2600" dirty="0"/>
           </a:p>
         </p:txBody>
       </p:sp>
@@ -8632,13 +8412,6 @@
   <p:clrMapOvr>
     <a:masterClrMapping/>
   </p:clrMapOvr>
-  <p:timing>
-    <p:tnLst>
-      <p:par>
-        <p:cTn id="1" dur="indefinite" restart="never" nodeType="tmRoot"/>
-      </p:par>
-    </p:tnLst>
-  </p:timing>
 </p:sld>
 </file>
 
@@ -8701,11 +8474,11 @@
           <a:p>
             <a:pPr algn="ctr"/>
             <a:r>
-              <a:rPr lang="ru-RU" sz="8000" b="1" dirty="0" smtClean="0"/>
+              <a:rPr lang="ru-RU" sz="8000" b="1" dirty="0"/>
               <a:t>2. Оператор </a:t>
             </a:r>
             <a:r>
-              <a:rPr lang="en-US" sz="8000" b="1" dirty="0" smtClean="0">
+              <a:rPr lang="en-US" sz="8000" b="1" dirty="0">
                 <a:solidFill>
                   <a:srgbClr val="FFFF00"/>
                 </a:solidFill>
@@ -8713,11 +8486,11 @@
               <a:t>if</a:t>
             </a:r>
             <a:r>
-              <a:rPr lang="en-US" sz="8000" b="1" dirty="0" smtClean="0"/>
+              <a:rPr lang="en-US" sz="8000" b="1" dirty="0"/>
               <a:t>/</a:t>
             </a:r>
             <a:r>
-              <a:rPr lang="en-US" sz="8000" b="1" dirty="0" smtClean="0">
+              <a:rPr lang="en-US" sz="8000" b="1" dirty="0">
                 <a:solidFill>
                   <a:schemeClr val="accent6">
                     <a:lumMod val="75000"/>
@@ -8746,13 +8519,6 @@
   <p:clrMapOvr>
     <a:masterClrMapping/>
   </p:clrMapOvr>
-  <p:timing>
-    <p:tnLst>
-      <p:par>
-        <p:cTn id="1" dur="indefinite" restart="never" nodeType="tmRoot"/>
-      </p:par>
-    </p:tnLst>
-  </p:timing>
 </p:sld>
 </file>
 
@@ -8796,11 +8562,11 @@
           <a:lstStyle/>
           <a:p>
             <a:r>
-              <a:rPr lang="ru-RU" sz="4000" b="1" dirty="0" smtClean="0"/>
+              <a:rPr lang="ru-RU" sz="4000" b="1" dirty="0"/>
               <a:t>Условный оператор </a:t>
             </a:r>
             <a:r>
-              <a:rPr lang="en-US" sz="4000" b="1" dirty="0" smtClean="0"/>
+              <a:rPr lang="en-US" sz="4000" b="1" dirty="0"/>
               <a:t>if/else</a:t>
             </a:r>
             <a:endParaRPr lang="uk-UA" sz="4000" b="1" dirty="0">
@@ -8943,23 +8709,7 @@
             </a:r>
             <a:r>
               <a:rPr lang="ru-RU" sz="2500" dirty="0"/>
-              <a:t>) ветка кода (допускается возможность </a:t>
-            </a:r>
-            <a:r>
-              <a:rPr lang="ru-RU" sz="2500" dirty="0" smtClean="0"/>
-              <a:t>делат</a:t>
-            </a:r>
-            <a:r>
-              <a:rPr lang="ru-RU" sz="2500" dirty="0"/>
-              <a:t>ь</a:t>
-            </a:r>
-            <a:r>
-              <a:rPr lang="ru-RU" sz="2500" dirty="0" smtClean="0"/>
-              <a:t> </a:t>
-            </a:r>
-            <a:r>
-              <a:rPr lang="ru-RU" sz="2500" dirty="0"/>
-              <a:t>«многоэтажный» </a:t>
+              <a:t>) ветка кода (допускается возможность делать «многоэтажный» </a:t>
             </a:r>
             <a:r>
               <a:rPr lang="en-US" sz="2500" b="1" dirty="0"/>
@@ -8971,18 +8721,14 @@
             </a:r>
             <a:r>
               <a:rPr lang="ru-RU" sz="2500" dirty="0"/>
-              <a:t>используя конструкцию </a:t>
-            </a:r>
-            <a:r>
-              <a:rPr lang="ru-RU" sz="2500" dirty="0" smtClean="0"/>
-              <a:t>…</a:t>
-            </a:r>
-            <a:r>
-              <a:rPr lang="en-US" sz="2500" b="1" dirty="0" smtClean="0"/>
+              <a:t>используя конструкцию …</a:t>
+            </a:r>
+            <a:r>
+              <a:rPr lang="en-US" sz="2500" b="1" dirty="0"/>
               <a:t>else if</a:t>
             </a:r>
             <a:r>
-              <a:rPr lang="ru-RU" sz="2500" b="1" dirty="0" smtClean="0"/>
+              <a:rPr lang="ru-RU" sz="2500" b="1" dirty="0"/>
               <a:t>…</a:t>
             </a:r>
             <a:endParaRPr lang="ru-RU" sz="2500" dirty="0"/>
@@ -9033,13 +8779,6 @@
   <p:clrMapOvr>
     <a:masterClrMapping/>
   </p:clrMapOvr>
-  <p:timing>
-    <p:tnLst>
-      <p:par>
-        <p:cTn id="1" dur="indefinite" restart="never" nodeType="tmRoot"/>
-      </p:par>
-    </p:tnLst>
-  </p:timing>
 </p:sld>
 </file>
 
@@ -9252,11 +8991,11 @@
           </a:lstStyle>
           <a:p>
             <a:r>
-              <a:rPr lang="ru-RU" sz="4000" b="1" smtClean="0"/>
+              <a:rPr lang="ru-RU" sz="4000" b="1"/>
               <a:t>Условный оператор </a:t>
             </a:r>
             <a:r>
-              <a:rPr lang="en-US" sz="4000" b="1" smtClean="0"/>
+              <a:rPr lang="en-US" sz="4000" b="1"/>
               <a:t>if/else</a:t>
             </a:r>
             <a:endParaRPr lang="uk-UA" sz="4000" b="1" dirty="0">
@@ -9279,13 +9018,6 @@
   <p:clrMapOvr>
     <a:masterClrMapping/>
   </p:clrMapOvr>
-  <p:timing>
-    <p:tnLst>
-      <p:par>
-        <p:cTn id="1" dur="indefinite" restart="never" nodeType="tmRoot"/>
-      </p:par>
-    </p:tnLst>
-  </p:timing>
 </p:sld>
 </file>
 
@@ -9334,11 +9066,7 @@
             </a:r>
             <a:r>
               <a:rPr lang="en-US" sz="4000" b="1" dirty="0"/>
-              <a:t> </a:t>
-            </a:r>
-            <a:r>
-              <a:rPr lang="en-US" sz="4000" b="1" dirty="0" smtClean="0"/>
-              <a:t>if/else</a:t>
+              <a:t> if/else</a:t>
             </a:r>
             <a:endParaRPr lang="uk-UA" sz="4000" b="1" dirty="0">
               <a:solidFill>
@@ -9444,27 +9172,11 @@
           <a:p>
             <a:r>
               <a:rPr lang="ru-RU" sz="3000" dirty="0"/>
-              <a:t>Если задача </a:t>
-            </a:r>
-            <a:r>
-              <a:rPr lang="ru-RU" sz="3000" dirty="0" smtClean="0"/>
-              <a:t>предполагает </a:t>
-            </a:r>
-            <a:r>
-              <a:rPr lang="ru-RU" sz="3000" dirty="0"/>
-              <a:t>более чем два вариант развития событий то мы можем задействовать конструкцию </a:t>
-            </a:r>
-            <a:r>
-              <a:rPr lang="en-US" sz="3000" b="1" dirty="0" smtClean="0"/>
-              <a:t>if else if els</a:t>
+              <a:t>Если задача предполагает более чем два вариант развития событий то мы можем задействовать конструкцию </a:t>
             </a:r>
             <a:r>
               <a:rPr lang="en-US" sz="3000" b="1" dirty="0"/>
-              <a:t>e</a:t>
-            </a:r>
-            <a:r>
-              <a:rPr lang="en-US" sz="3000" b="1" dirty="0" smtClean="0"/>
-              <a:t>…</a:t>
+              <a:t>if else if else…</a:t>
             </a:r>
             <a:endParaRPr lang="ru-RU" sz="3000" b="1" dirty="0"/>
           </a:p>
@@ -9504,13 +9216,6 @@
   <p:clrMapOvr>
     <a:masterClrMapping/>
   </p:clrMapOvr>
-  <p:timing>
-    <p:tnLst>
-      <p:par>
-        <p:cTn id="1" dur="indefinite" restart="never" nodeType="tmRoot"/>
-      </p:par>
-    </p:tnLst>
-  </p:timing>
 </p:sld>
 </file>
 
@@ -9573,11 +9278,11 @@
           <a:p>
             <a:pPr algn="ctr"/>
             <a:r>
-              <a:rPr lang="en-US" sz="6600" b="1" dirty="0" smtClean="0"/>
+              <a:rPr lang="en-US" sz="6600" b="1" dirty="0"/>
               <a:t>3. </a:t>
             </a:r>
             <a:r>
-              <a:rPr lang="ru-RU" sz="6600" b="1" dirty="0" smtClean="0"/>
+              <a:rPr lang="ru-RU" sz="6600" b="1" dirty="0"/>
               <a:t>Операторы сравнения</a:t>
             </a:r>
             <a:endParaRPr lang="uk-UA" sz="6600" b="1" dirty="0"/>
@@ -9594,13 +9299,6 @@
   <p:clrMapOvr>
     <a:masterClrMapping/>
   </p:clrMapOvr>
-  <p:timing>
-    <p:tnLst>
-      <p:par>
-        <p:cTn id="1" dur="indefinite" restart="never" nodeType="tmRoot"/>
-      </p:par>
-    </p:tnLst>
-  </p:timing>
 </p:sld>
 </file>
 
@@ -9716,21 +9414,17 @@
             <a:pPr algn="ctr"/>
             <a:r>
               <a:rPr lang="ru-RU" sz="4400" b="1" dirty="0"/>
-              <a:t>Операторы </a:t>
-            </a:r>
-            <a:r>
-              <a:rPr lang="ru-RU" sz="4400" b="1" dirty="0" smtClean="0"/>
-              <a:t>сравнения</a:t>
-            </a:r>
-            <a:r>
-              <a:rPr lang="en-US" sz="4400" b="1" dirty="0" smtClean="0"/>
+              <a:t>Операторы сравнения</a:t>
+            </a:r>
+            <a:r>
+              <a:rPr lang="en-US" sz="4400" b="1" dirty="0"/>
               <a:t> </a:t>
             </a:r>
           </a:p>
           <a:p>
             <a:pPr algn="ctr"/>
             <a:r>
-              <a:rPr lang="en-US" sz="2800" b="1" dirty="0" smtClean="0">
+              <a:rPr lang="en-US" sz="2800" b="1" dirty="0">
                 <a:solidFill>
                   <a:schemeClr val="bg1">
                     <a:lumMod val="65000"/>
@@ -9740,7 +9434,7 @@
               <a:t>(</a:t>
             </a:r>
             <a:r>
-              <a:rPr lang="ru-RU" sz="2800" b="1" dirty="0" smtClean="0">
+              <a:rPr lang="ru-RU" sz="2800" b="1" dirty="0">
                 <a:solidFill>
                   <a:schemeClr val="bg1">
                     <a:lumMod val="65000"/>
@@ -9750,7 +9444,7 @@
               <a:t>или откуда берётся </a:t>
             </a:r>
             <a:r>
-              <a:rPr lang="en-US" sz="2800" b="1" dirty="0" err="1" smtClean="0">
+              <a:rPr lang="en-US" sz="2800" b="1" dirty="0" err="1">
                 <a:solidFill>
                   <a:schemeClr val="bg1">
                     <a:lumMod val="65000"/>
@@ -9760,7 +9454,7 @@
               <a:t>boolean</a:t>
             </a:r>
             <a:r>
-              <a:rPr lang="en-US" sz="2800" b="1" dirty="0" smtClean="0">
+              <a:rPr lang="en-US" sz="2800" b="1" dirty="0">
                 <a:solidFill>
                   <a:schemeClr val="bg1">
                     <a:lumMod val="65000"/>
@@ -9869,7 +9563,7 @@
                     <a:p>
                       <a:pPr algn="ctr"/>
                       <a:r>
-                        <a:rPr lang="en-US" sz="2800" dirty="0" smtClean="0">
+                        <a:rPr lang="en-US" sz="2800" dirty="0">
                           <a:solidFill>
                             <a:schemeClr val="tx1"/>
                           </a:solidFill>
@@ -9938,7 +9632,7 @@
                     <a:p>
                       <a:pPr algn="ctr"/>
                       <a:r>
-                        <a:rPr lang="en-US" sz="2800" dirty="0" smtClean="0">
+                        <a:rPr lang="en-US" sz="2800" dirty="0">
                           <a:solidFill>
                             <a:schemeClr val="tx1"/>
                           </a:solidFill>
@@ -10007,7 +9701,7 @@
                     <a:p>
                       <a:pPr algn="ctr"/>
                       <a:r>
-                        <a:rPr lang="en-US" sz="2800" dirty="0" smtClean="0">
+                        <a:rPr lang="en-US" sz="2800" dirty="0">
                           <a:solidFill>
                             <a:schemeClr val="tx1"/>
                           </a:solidFill>
@@ -10076,7 +9770,7 @@
                     <a:p>
                       <a:pPr algn="ctr"/>
                       <a:r>
-                        <a:rPr lang="en-US" sz="2800" dirty="0" smtClean="0">
+                        <a:rPr lang="en-US" sz="2800" dirty="0">
                           <a:solidFill>
                             <a:schemeClr val="tx1"/>
                           </a:solidFill>
@@ -10145,7 +9839,7 @@
                     <a:p>
                       <a:pPr algn="ctr"/>
                       <a:r>
-                        <a:rPr lang="en-US" sz="2800" dirty="0" smtClean="0">
+                        <a:rPr lang="en-US" sz="2800" dirty="0">
                           <a:solidFill>
                             <a:schemeClr val="tx1"/>
                           </a:solidFill>
@@ -10214,7 +9908,7 @@
                     <a:p>
                       <a:pPr algn="ctr"/>
                       <a:r>
-                        <a:rPr lang="en-US" sz="2800" dirty="0" smtClean="0">
+                        <a:rPr lang="en-US" sz="2800" dirty="0">
                           <a:solidFill>
                             <a:schemeClr val="tx1"/>
                           </a:solidFill>
@@ -10283,7 +9977,7 @@
                     <a:p>
                       <a:pPr algn="ctr"/>
                       <a:r>
-                        <a:rPr lang="en-US" sz="2800" dirty="0" smtClean="0">
+                        <a:rPr lang="en-US" sz="2800" dirty="0">
                           <a:solidFill>
                             <a:schemeClr val="tx1"/>
                           </a:solidFill>
@@ -10352,7 +10046,7 @@
                     <a:p>
                       <a:pPr algn="ctr"/>
                       <a:r>
-                        <a:rPr lang="en-US" sz="2800" dirty="0" smtClean="0">
+                        <a:rPr lang="en-US" sz="2800" dirty="0">
                           <a:solidFill>
                             <a:schemeClr val="tx1"/>
                           </a:solidFill>
@@ -10447,39 +10141,39 @@
           <a:lstStyle/>
           <a:p>
             <a:r>
-              <a:rPr lang="ru-RU" sz="2800" b="1" dirty="0" smtClean="0"/>
+              <a:rPr lang="ru-RU" sz="2800" b="1" dirty="0"/>
               <a:t>Операторы сравнения </a:t>
             </a:r>
             <a:r>
-              <a:rPr lang="ru-RU" sz="2800" dirty="0" smtClean="0"/>
+              <a:rPr lang="ru-RU" sz="2800" dirty="0"/>
               <a:t>знакомы нам со школы. В </a:t>
             </a:r>
             <a:r>
-              <a:rPr lang="en-US" sz="2800" b="1" dirty="0" smtClean="0"/>
+              <a:rPr lang="en-US" sz="2800" b="1" dirty="0"/>
               <a:t>JavaScript</a:t>
             </a:r>
             <a:r>
-              <a:rPr lang="en-US" sz="2800" dirty="0" smtClean="0"/>
+              <a:rPr lang="en-US" sz="2800" dirty="0"/>
               <a:t> </a:t>
             </a:r>
             <a:r>
-              <a:rPr lang="ru-RU" sz="2800" dirty="0" smtClean="0"/>
+              <a:rPr lang="ru-RU" sz="2800" dirty="0"/>
               <a:t>они</a:t>
             </a:r>
             <a:r>
-              <a:rPr lang="en-US" sz="2800" dirty="0" smtClean="0"/>
+              <a:rPr lang="en-US" sz="2800" dirty="0"/>
               <a:t> </a:t>
             </a:r>
             <a:r>
-              <a:rPr lang="ru-RU" sz="2800" dirty="0" smtClean="0"/>
+              <a:rPr lang="ru-RU" sz="2800" dirty="0"/>
               <a:t>решают те же задачи, проводят сравнения двух операндов и возвращают </a:t>
             </a:r>
             <a:r>
-              <a:rPr lang="en-US" sz="2800" b="1" dirty="0" smtClean="0"/>
+              <a:rPr lang="en-US" sz="2800" b="1" dirty="0"/>
               <a:t>true/false</a:t>
             </a:r>
             <a:r>
-              <a:rPr lang="en-US" sz="2800" dirty="0" smtClean="0"/>
+              <a:rPr lang="en-US" sz="2800" dirty="0"/>
               <a:t>.</a:t>
             </a:r>
             <a:endParaRPr lang="uk-UA" sz="2800" dirty="0"/>
@@ -10530,13 +10224,6 @@
   <p:clrMapOvr>
     <a:masterClrMapping/>
   </p:clrMapOvr>
-  <p:timing>
-    <p:tnLst>
-      <p:par>
-        <p:cTn id="1" dur="indefinite" restart="never" nodeType="tmRoot"/>
-      </p:par>
-    </p:tnLst>
-  </p:timing>
 </p:sld>
 </file>
 
